--- a/Presentation1.pptx
+++ b/Presentation1.pptx
@@ -15,27 +15,29 @@
     <p:sldId id="281" r:id="rId9"/>
     <p:sldId id="282" r:id="rId10"/>
     <p:sldId id="283" r:id="rId11"/>
-    <p:sldId id="263" r:id="rId12"/>
-    <p:sldId id="268" r:id="rId13"/>
-    <p:sldId id="264" r:id="rId14"/>
-    <p:sldId id="269" r:id="rId15"/>
-    <p:sldId id="260" r:id="rId16"/>
-    <p:sldId id="262" r:id="rId17"/>
-    <p:sldId id="270" r:id="rId18"/>
-    <p:sldId id="261" r:id="rId19"/>
-    <p:sldId id="265" r:id="rId20"/>
-    <p:sldId id="271" r:id="rId21"/>
-    <p:sldId id="267" r:id="rId22"/>
-    <p:sldId id="272" r:id="rId23"/>
-    <p:sldId id="266" r:id="rId24"/>
-    <p:sldId id="257" r:id="rId25"/>
-    <p:sldId id="273" r:id="rId26"/>
-    <p:sldId id="258" r:id="rId27"/>
-    <p:sldId id="274" r:id="rId28"/>
-    <p:sldId id="259" r:id="rId29"/>
-    <p:sldId id="275" r:id="rId30"/>
-    <p:sldId id="276" r:id="rId31"/>
-    <p:sldId id="277" r:id="rId32"/>
+    <p:sldId id="287" r:id="rId12"/>
+    <p:sldId id="288" r:id="rId13"/>
+    <p:sldId id="263" r:id="rId14"/>
+    <p:sldId id="268" r:id="rId15"/>
+    <p:sldId id="264" r:id="rId16"/>
+    <p:sldId id="269" r:id="rId17"/>
+    <p:sldId id="260" r:id="rId18"/>
+    <p:sldId id="262" r:id="rId19"/>
+    <p:sldId id="270" r:id="rId20"/>
+    <p:sldId id="261" r:id="rId21"/>
+    <p:sldId id="265" r:id="rId22"/>
+    <p:sldId id="271" r:id="rId23"/>
+    <p:sldId id="267" r:id="rId24"/>
+    <p:sldId id="272" r:id="rId25"/>
+    <p:sldId id="266" r:id="rId26"/>
+    <p:sldId id="257" r:id="rId27"/>
+    <p:sldId id="273" r:id="rId28"/>
+    <p:sldId id="258" r:id="rId29"/>
+    <p:sldId id="274" r:id="rId30"/>
+    <p:sldId id="259" r:id="rId31"/>
+    <p:sldId id="275" r:id="rId32"/>
+    <p:sldId id="276" r:id="rId33"/>
+    <p:sldId id="277" r:id="rId34"/>
   </p:sldIdLst>
   <p:sldSz cx="12192000" cy="6858000"/>
   <p:notesSz cx="6858000" cy="9144000"/>
@@ -291,7 +293,7 @@
           <a:p>
             <a:fld id="{A5358068-B55E-472E-8EF6-2EE20D143D55}" type="datetimeFigureOut">
               <a:rPr lang="en-ID" smtClean="0"/>
-              <a:t>22/08/2024</a:t>
+              <a:t>17/09/2024</a:t>
             </a:fld>
             <a:endParaRPr lang="en-ID"/>
           </a:p>
@@ -491,7 +493,7 @@
           <a:p>
             <a:fld id="{A5358068-B55E-472E-8EF6-2EE20D143D55}" type="datetimeFigureOut">
               <a:rPr lang="en-ID" smtClean="0"/>
-              <a:t>22/08/2024</a:t>
+              <a:t>17/09/2024</a:t>
             </a:fld>
             <a:endParaRPr lang="en-ID"/>
           </a:p>
@@ -701,7 +703,7 @@
           <a:p>
             <a:fld id="{A5358068-B55E-472E-8EF6-2EE20D143D55}" type="datetimeFigureOut">
               <a:rPr lang="en-ID" smtClean="0"/>
-              <a:t>22/08/2024</a:t>
+              <a:t>17/09/2024</a:t>
             </a:fld>
             <a:endParaRPr lang="en-ID"/>
           </a:p>
@@ -901,7 +903,7 @@
           <a:p>
             <a:fld id="{A5358068-B55E-472E-8EF6-2EE20D143D55}" type="datetimeFigureOut">
               <a:rPr lang="en-ID" smtClean="0"/>
-              <a:t>22/08/2024</a:t>
+              <a:t>17/09/2024</a:t>
             </a:fld>
             <a:endParaRPr lang="en-ID"/>
           </a:p>
@@ -1177,7 +1179,7 @@
           <a:p>
             <a:fld id="{A5358068-B55E-472E-8EF6-2EE20D143D55}" type="datetimeFigureOut">
               <a:rPr lang="en-ID" smtClean="0"/>
-              <a:t>22/08/2024</a:t>
+              <a:t>17/09/2024</a:t>
             </a:fld>
             <a:endParaRPr lang="en-ID"/>
           </a:p>
@@ -1445,7 +1447,7 @@
           <a:p>
             <a:fld id="{A5358068-B55E-472E-8EF6-2EE20D143D55}" type="datetimeFigureOut">
               <a:rPr lang="en-ID" smtClean="0"/>
-              <a:t>22/08/2024</a:t>
+              <a:t>17/09/2024</a:t>
             </a:fld>
             <a:endParaRPr lang="en-ID"/>
           </a:p>
@@ -1860,7 +1862,7 @@
           <a:p>
             <a:fld id="{A5358068-B55E-472E-8EF6-2EE20D143D55}" type="datetimeFigureOut">
               <a:rPr lang="en-ID" smtClean="0"/>
-              <a:t>22/08/2024</a:t>
+              <a:t>17/09/2024</a:t>
             </a:fld>
             <a:endParaRPr lang="en-ID"/>
           </a:p>
@@ -2002,7 +2004,7 @@
           <a:p>
             <a:fld id="{A5358068-B55E-472E-8EF6-2EE20D143D55}" type="datetimeFigureOut">
               <a:rPr lang="en-ID" smtClean="0"/>
-              <a:t>22/08/2024</a:t>
+              <a:t>17/09/2024</a:t>
             </a:fld>
             <a:endParaRPr lang="en-ID"/>
           </a:p>
@@ -2115,7 +2117,7 @@
           <a:p>
             <a:fld id="{A5358068-B55E-472E-8EF6-2EE20D143D55}" type="datetimeFigureOut">
               <a:rPr lang="en-ID" smtClean="0"/>
-              <a:t>22/08/2024</a:t>
+              <a:t>17/09/2024</a:t>
             </a:fld>
             <a:endParaRPr lang="en-ID"/>
           </a:p>
@@ -2428,7 +2430,7 @@
           <a:p>
             <a:fld id="{A5358068-B55E-472E-8EF6-2EE20D143D55}" type="datetimeFigureOut">
               <a:rPr lang="en-ID" smtClean="0"/>
-              <a:t>22/08/2024</a:t>
+              <a:t>17/09/2024</a:t>
             </a:fld>
             <a:endParaRPr lang="en-ID"/>
           </a:p>
@@ -2717,7 +2719,7 @@
           <a:p>
             <a:fld id="{A5358068-B55E-472E-8EF6-2EE20D143D55}" type="datetimeFigureOut">
               <a:rPr lang="en-ID" smtClean="0"/>
-              <a:t>22/08/2024</a:t>
+              <a:t>17/09/2024</a:t>
             </a:fld>
             <a:endParaRPr lang="en-ID"/>
           </a:p>
@@ -2960,7 +2962,7 @@
           <a:p>
             <a:fld id="{A5358068-B55E-472E-8EF6-2EE20D143D55}" type="datetimeFigureOut">
               <a:rPr lang="en-ID" smtClean="0"/>
-              <a:t>22/08/2024</a:t>
+              <a:t>17/09/2024</a:t>
             </a:fld>
             <a:endParaRPr lang="en-ID"/>
           </a:p>
@@ -4548,6 +4550,1274 @@
       </p:grpSpPr>
       <p:grpSp>
         <p:nvGrpSpPr>
+          <p:cNvPr id="61" name="Group 60">
+            <a:extLst>
+              <a:ext uri="{FF2B5EF4-FFF2-40B4-BE49-F238E27FC236}">
+                <a16:creationId xmlns:a16="http://schemas.microsoft.com/office/drawing/2014/main" id="{84FD5A06-E512-6A8A-6186-004D70779116}"/>
+              </a:ext>
+            </a:extLst>
+          </p:cNvPr>
+          <p:cNvGrpSpPr/>
+          <p:nvPr/>
+        </p:nvGrpSpPr>
+        <p:grpSpPr>
+          <a:xfrm>
+            <a:off x="804931" y="1248697"/>
+            <a:ext cx="9426720" cy="3848367"/>
+            <a:chOff x="1031073" y="1248697"/>
+            <a:chExt cx="9426720" cy="3848367"/>
+          </a:xfrm>
+        </p:grpSpPr>
+        <p:sp>
+          <p:nvSpPr>
+            <p:cNvPr id="19" name="Flowchart: Connector 18">
+              <a:extLst>
+                <a:ext uri="{FF2B5EF4-FFF2-40B4-BE49-F238E27FC236}">
+                  <a16:creationId xmlns:a16="http://schemas.microsoft.com/office/drawing/2014/main" id="{1A13C06F-7F98-5A6A-49CE-2EAF5ED0E3E9}"/>
+                </a:ext>
+              </a:extLst>
+            </p:cNvPr>
+            <p:cNvSpPr/>
+            <p:nvPr/>
+          </p:nvSpPr>
+          <p:spPr>
+            <a:xfrm>
+              <a:off x="8034246" y="3356767"/>
+              <a:ext cx="144000" cy="144463"/>
+            </a:xfrm>
+            <a:prstGeom prst="flowChartConnector">
+              <a:avLst/>
+            </a:prstGeom>
+            <a:solidFill>
+              <a:srgbClr val="FFC000"/>
+            </a:solidFill>
+          </p:spPr>
+          <p:style>
+            <a:lnRef idx="2">
+              <a:schemeClr val="accent1">
+                <a:shade val="15000"/>
+              </a:schemeClr>
+            </a:lnRef>
+            <a:fillRef idx="1">
+              <a:schemeClr val="accent1"/>
+            </a:fillRef>
+            <a:effectRef idx="0">
+              <a:schemeClr val="accent1"/>
+            </a:effectRef>
+            <a:fontRef idx="minor">
+              <a:schemeClr val="lt1"/>
+            </a:fontRef>
+          </p:style>
+          <p:txBody>
+            <a:bodyPr rtlCol="0" anchor="ctr"/>
+            <a:lstStyle/>
+            <a:p>
+              <a:pPr algn="ctr"/>
+              <a:endParaRPr lang="en-ID"/>
+            </a:p>
+          </p:txBody>
+        </p:sp>
+        <p:grpSp>
+          <p:nvGrpSpPr>
+            <p:cNvPr id="60" name="Group 59">
+              <a:extLst>
+                <a:ext uri="{FF2B5EF4-FFF2-40B4-BE49-F238E27FC236}">
+                  <a16:creationId xmlns:a16="http://schemas.microsoft.com/office/drawing/2014/main" id="{DE8D1383-4904-D18D-D85C-4A58210FAF53}"/>
+                </a:ext>
+              </a:extLst>
+            </p:cNvPr>
+            <p:cNvGrpSpPr/>
+            <p:nvPr/>
+          </p:nvGrpSpPr>
+          <p:grpSpPr>
+            <a:xfrm>
+              <a:off x="1031073" y="1248697"/>
+              <a:ext cx="9426720" cy="3848367"/>
+              <a:chOff x="1031073" y="1248697"/>
+              <a:chExt cx="9426720" cy="3848367"/>
+            </a:xfrm>
+          </p:grpSpPr>
+          <p:cxnSp>
+            <p:nvCxnSpPr>
+              <p:cNvPr id="6" name="Straight Connector 5">
+                <a:extLst>
+                  <a:ext uri="{FF2B5EF4-FFF2-40B4-BE49-F238E27FC236}">
+                    <a16:creationId xmlns:a16="http://schemas.microsoft.com/office/drawing/2014/main" id="{3C1B6FA1-E876-64D0-0BD7-9CF82BAA95EF}"/>
+                  </a:ext>
+                </a:extLst>
+              </p:cNvPr>
+              <p:cNvCxnSpPr>
+                <a:cxnSpLocks/>
+              </p:cNvCxnSpPr>
+              <p:nvPr/>
+            </p:nvCxnSpPr>
+            <p:spPr>
+              <a:xfrm>
+                <a:off x="1776248" y="3429000"/>
+                <a:ext cx="8681545" cy="0"/>
+              </a:xfrm>
+              <a:prstGeom prst="line">
+                <a:avLst/>
+              </a:prstGeom>
+              <a:ln w="50800">
+                <a:solidFill>
+                  <a:srgbClr val="FF0000"/>
+                </a:solidFill>
+                <a:prstDash val="sysDash"/>
+              </a:ln>
+            </p:spPr>
+            <p:style>
+              <a:lnRef idx="1">
+                <a:schemeClr val="accent1"/>
+              </a:lnRef>
+              <a:fillRef idx="0">
+                <a:schemeClr val="accent1"/>
+              </a:fillRef>
+              <a:effectRef idx="0">
+                <a:schemeClr val="accent1"/>
+              </a:effectRef>
+              <a:fontRef idx="minor">
+                <a:schemeClr val="tx1"/>
+              </a:fontRef>
+            </p:style>
+          </p:cxnSp>
+          <p:pic>
+            <p:nvPicPr>
+              <p:cNvPr id="7" name="Picture 6">
+                <a:extLst>
+                  <a:ext uri="{FF2B5EF4-FFF2-40B4-BE49-F238E27FC236}">
+                    <a16:creationId xmlns:a16="http://schemas.microsoft.com/office/drawing/2014/main" id="{D7DE8A44-D189-5F0E-3BC0-16CDE22F27A2}"/>
+                  </a:ext>
+                </a:extLst>
+              </p:cNvPr>
+              <p:cNvPicPr>
+                <a:picLocks noChangeAspect="1"/>
+              </p:cNvPicPr>
+              <p:nvPr/>
+            </p:nvPicPr>
+            <p:blipFill rotWithShape="1">
+              <a:blip r:embed="rId2">
+                <a:extLst>
+                  <a:ext uri="{28A0092B-C50C-407E-A947-70E740481C1C}">
+                    <a14:useLocalDpi xmlns:a14="http://schemas.microsoft.com/office/drawing/2010/main" val="0"/>
+                  </a:ext>
+                </a:extLst>
+              </a:blip>
+              <a:srcRect l="25333" t="21466" r="51467" b="3466"/>
+              <a:stretch/>
+            </p:blipFill>
+            <p:spPr bwMode="auto">
+              <a:xfrm>
+                <a:off x="1734207" y="1873248"/>
+                <a:ext cx="480818" cy="1555750"/>
+              </a:xfrm>
+              <a:prstGeom prst="rect">
+                <a:avLst/>
+              </a:prstGeom>
+              <a:ln>
+                <a:noFill/>
+              </a:ln>
+              <a:extLst>
+                <a:ext uri="{53640926-AAD7-44D8-BBD7-CCE9431645EC}">
+                  <a14:shadowObscured xmlns:a14="http://schemas.microsoft.com/office/drawing/2010/main"/>
+                </a:ext>
+              </a:extLst>
+            </p:spPr>
+          </p:pic>
+          <p:cxnSp>
+            <p:nvCxnSpPr>
+              <p:cNvPr id="9" name="Straight Arrow Connector 8">
+                <a:extLst>
+                  <a:ext uri="{FF2B5EF4-FFF2-40B4-BE49-F238E27FC236}">
+                    <a16:creationId xmlns:a16="http://schemas.microsoft.com/office/drawing/2014/main" id="{BA4B8D28-DE18-9A9C-5497-B788FEE88C23}"/>
+                  </a:ext>
+                </a:extLst>
+              </p:cNvPr>
+              <p:cNvCxnSpPr>
+                <a:cxnSpLocks/>
+                <a:stCxn id="7" idx="0"/>
+              </p:cNvCxnSpPr>
+              <p:nvPr/>
+            </p:nvCxnSpPr>
+            <p:spPr>
+              <a:xfrm>
+                <a:off x="1974616" y="1873248"/>
+                <a:ext cx="3847486" cy="17341"/>
+              </a:xfrm>
+              <a:prstGeom prst="straightConnector1">
+                <a:avLst/>
+              </a:prstGeom>
+              <a:ln w="50800">
+                <a:solidFill>
+                  <a:srgbClr val="FFFF00"/>
+                </a:solidFill>
+                <a:tailEnd type="triangle"/>
+              </a:ln>
+            </p:spPr>
+            <p:style>
+              <a:lnRef idx="1">
+                <a:schemeClr val="accent1"/>
+              </a:lnRef>
+              <a:fillRef idx="0">
+                <a:schemeClr val="accent1"/>
+              </a:fillRef>
+              <a:effectRef idx="0">
+                <a:schemeClr val="accent1"/>
+              </a:effectRef>
+              <a:fontRef idx="minor">
+                <a:schemeClr val="tx1"/>
+              </a:fontRef>
+            </p:style>
+          </p:cxnSp>
+          <p:sp>
+            <p:nvSpPr>
+              <p:cNvPr id="14" name="Flowchart: Connector 13">
+                <a:extLst>
+                  <a:ext uri="{FF2B5EF4-FFF2-40B4-BE49-F238E27FC236}">
+                    <a16:creationId xmlns:a16="http://schemas.microsoft.com/office/drawing/2014/main" id="{6051DA6A-6C38-899E-1BFC-17EE8359900F}"/>
+                  </a:ext>
+                </a:extLst>
+              </p:cNvPr>
+              <p:cNvSpPr/>
+              <p:nvPr/>
+            </p:nvSpPr>
+            <p:spPr>
+              <a:xfrm>
+                <a:off x="4134417" y="3356767"/>
+                <a:ext cx="144000" cy="144463"/>
+              </a:xfrm>
+              <a:prstGeom prst="flowChartConnector">
+                <a:avLst/>
+              </a:prstGeom>
+              <a:solidFill>
+                <a:srgbClr val="FFC000"/>
+              </a:solidFill>
+            </p:spPr>
+            <p:style>
+              <a:lnRef idx="2">
+                <a:schemeClr val="accent1">
+                  <a:shade val="15000"/>
+                </a:schemeClr>
+              </a:lnRef>
+              <a:fillRef idx="1">
+                <a:schemeClr val="accent1"/>
+              </a:fillRef>
+              <a:effectRef idx="0">
+                <a:schemeClr val="accent1"/>
+              </a:effectRef>
+              <a:fontRef idx="minor">
+                <a:schemeClr val="lt1"/>
+              </a:fontRef>
+            </p:style>
+            <p:txBody>
+              <a:bodyPr rtlCol="0" anchor="ctr"/>
+              <a:lstStyle/>
+              <a:p>
+                <a:pPr algn="ctr"/>
+                <a:endParaRPr lang="en-ID"/>
+              </a:p>
+            </p:txBody>
+          </p:sp>
+          <p:sp>
+            <p:nvSpPr>
+              <p:cNvPr id="15" name="TextBox 14">
+                <a:extLst>
+                  <a:ext uri="{FF2B5EF4-FFF2-40B4-BE49-F238E27FC236}">
+                    <a16:creationId xmlns:a16="http://schemas.microsoft.com/office/drawing/2014/main" id="{326FC9E5-027D-F94A-E937-F920614BD874}"/>
+                  </a:ext>
+                </a:extLst>
+              </p:cNvPr>
+              <p:cNvSpPr txBox="1"/>
+              <p:nvPr/>
+            </p:nvSpPr>
+            <p:spPr>
+              <a:xfrm>
+                <a:off x="4041395" y="3558714"/>
+                <a:ext cx="360594" cy="369322"/>
+              </a:xfrm>
+              <a:prstGeom prst="rect">
+                <a:avLst/>
+              </a:prstGeom>
+              <a:noFill/>
+            </p:spPr>
+            <p:txBody>
+              <a:bodyPr wrap="square" rtlCol="0">
+                <a:spAutoFit/>
+              </a:bodyPr>
+              <a:lstStyle/>
+              <a:p>
+                <a:pPr algn="ctr"/>
+                <a:r>
+                  <a:rPr lang="en-US" dirty="0">
+                    <a:solidFill>
+                      <a:schemeClr val="bg1"/>
+                    </a:solidFill>
+                    <a:latin typeface="Times New Roman" panose="02020603050405020304" pitchFamily="18" charset="0"/>
+                    <a:cs typeface="Times New Roman" panose="02020603050405020304" pitchFamily="18" charset="0"/>
+                  </a:rPr>
+                  <a:t>F</a:t>
+                </a:r>
+                <a:endParaRPr lang="en-ID" dirty="0">
+                  <a:solidFill>
+                    <a:schemeClr val="bg1"/>
+                  </a:solidFill>
+                  <a:latin typeface="Times New Roman" panose="02020603050405020304" pitchFamily="18" charset="0"/>
+                  <a:cs typeface="Times New Roman" panose="02020603050405020304" pitchFamily="18" charset="0"/>
+                </a:endParaRPr>
+              </a:p>
+            </p:txBody>
+          </p:sp>
+          <p:sp>
+            <p:nvSpPr>
+              <p:cNvPr id="17" name="Flowchart: Connector 16">
+                <a:extLst>
+                  <a:ext uri="{FF2B5EF4-FFF2-40B4-BE49-F238E27FC236}">
+                    <a16:creationId xmlns:a16="http://schemas.microsoft.com/office/drawing/2014/main" id="{CAAFEAFC-7009-E48A-8984-DF74C87E1892}"/>
+                  </a:ext>
+                </a:extLst>
+              </p:cNvPr>
+              <p:cNvSpPr/>
+              <p:nvPr/>
+            </p:nvSpPr>
+            <p:spPr>
+              <a:xfrm>
+                <a:off x="2364717" y="3356767"/>
+                <a:ext cx="144000" cy="144463"/>
+              </a:xfrm>
+              <a:prstGeom prst="flowChartConnector">
+                <a:avLst/>
+              </a:prstGeom>
+              <a:solidFill>
+                <a:srgbClr val="FFC000"/>
+              </a:solidFill>
+            </p:spPr>
+            <p:style>
+              <a:lnRef idx="2">
+                <a:schemeClr val="accent1">
+                  <a:shade val="15000"/>
+                </a:schemeClr>
+              </a:lnRef>
+              <a:fillRef idx="1">
+                <a:schemeClr val="accent1"/>
+              </a:fillRef>
+              <a:effectRef idx="0">
+                <a:schemeClr val="accent1"/>
+              </a:effectRef>
+              <a:fontRef idx="minor">
+                <a:schemeClr val="lt1"/>
+              </a:fontRef>
+            </p:style>
+            <p:txBody>
+              <a:bodyPr rtlCol="0" anchor="ctr"/>
+              <a:lstStyle/>
+              <a:p>
+                <a:pPr algn="ctr"/>
+                <a:endParaRPr lang="en-ID"/>
+              </a:p>
+            </p:txBody>
+          </p:sp>
+          <p:sp>
+            <p:nvSpPr>
+              <p:cNvPr id="18" name="TextBox 17">
+                <a:extLst>
+                  <a:ext uri="{FF2B5EF4-FFF2-40B4-BE49-F238E27FC236}">
+                    <a16:creationId xmlns:a16="http://schemas.microsoft.com/office/drawing/2014/main" id="{2FC1D997-E8C3-31D0-F21D-A8CAF8E8CEBA}"/>
+                  </a:ext>
+                </a:extLst>
+              </p:cNvPr>
+              <p:cNvSpPr txBox="1"/>
+              <p:nvPr/>
+            </p:nvSpPr>
+            <p:spPr>
+              <a:xfrm>
+                <a:off x="2181574" y="3573463"/>
+                <a:ext cx="519710" cy="369332"/>
+              </a:xfrm>
+              <a:prstGeom prst="rect">
+                <a:avLst/>
+              </a:prstGeom>
+              <a:noFill/>
+            </p:spPr>
+            <p:txBody>
+              <a:bodyPr wrap="square" rtlCol="0">
+                <a:spAutoFit/>
+              </a:bodyPr>
+              <a:lstStyle/>
+              <a:p>
+                <a:pPr algn="ctr"/>
+                <a:r>
+                  <a:rPr lang="en-US" dirty="0">
+                    <a:solidFill>
+                      <a:schemeClr val="bg1"/>
+                    </a:solidFill>
+                    <a:latin typeface="Times New Roman" panose="02020603050405020304" pitchFamily="18" charset="0"/>
+                    <a:cs typeface="Times New Roman" panose="02020603050405020304" pitchFamily="18" charset="0"/>
+                  </a:rPr>
+                  <a:t>2F</a:t>
+                </a:r>
+                <a:endParaRPr lang="en-ID" dirty="0">
+                  <a:solidFill>
+                    <a:schemeClr val="bg1"/>
+                  </a:solidFill>
+                  <a:latin typeface="Times New Roman" panose="02020603050405020304" pitchFamily="18" charset="0"/>
+                  <a:cs typeface="Times New Roman" panose="02020603050405020304" pitchFamily="18" charset="0"/>
+                </a:endParaRPr>
+              </a:p>
+            </p:txBody>
+          </p:sp>
+          <p:sp>
+            <p:nvSpPr>
+              <p:cNvPr id="20" name="TextBox 19">
+                <a:extLst>
+                  <a:ext uri="{FF2B5EF4-FFF2-40B4-BE49-F238E27FC236}">
+                    <a16:creationId xmlns:a16="http://schemas.microsoft.com/office/drawing/2014/main" id="{C40F2C65-2A3C-7CA6-1FE1-7B10FB34AF24}"/>
+                  </a:ext>
+                </a:extLst>
+              </p:cNvPr>
+              <p:cNvSpPr txBox="1"/>
+              <p:nvPr/>
+            </p:nvSpPr>
+            <p:spPr>
+              <a:xfrm>
+                <a:off x="7941224" y="3558714"/>
+                <a:ext cx="360594" cy="369322"/>
+              </a:xfrm>
+              <a:prstGeom prst="rect">
+                <a:avLst/>
+              </a:prstGeom>
+              <a:noFill/>
+            </p:spPr>
+            <p:txBody>
+              <a:bodyPr wrap="square" rtlCol="0">
+                <a:spAutoFit/>
+              </a:bodyPr>
+              <a:lstStyle/>
+              <a:p>
+                <a:pPr algn="ctr"/>
+                <a:r>
+                  <a:rPr lang="en-US" dirty="0">
+                    <a:solidFill>
+                      <a:schemeClr val="bg1"/>
+                    </a:solidFill>
+                    <a:latin typeface="Times New Roman" panose="02020603050405020304" pitchFamily="18" charset="0"/>
+                    <a:cs typeface="Times New Roman" panose="02020603050405020304" pitchFamily="18" charset="0"/>
+                  </a:rPr>
+                  <a:t>F</a:t>
+                </a:r>
+                <a:endParaRPr lang="en-ID" dirty="0">
+                  <a:solidFill>
+                    <a:schemeClr val="bg1"/>
+                  </a:solidFill>
+                  <a:latin typeface="Times New Roman" panose="02020603050405020304" pitchFamily="18" charset="0"/>
+                  <a:cs typeface="Times New Roman" panose="02020603050405020304" pitchFamily="18" charset="0"/>
+                </a:endParaRPr>
+              </a:p>
+            </p:txBody>
+          </p:sp>
+          <p:cxnSp>
+            <p:nvCxnSpPr>
+              <p:cNvPr id="22" name="Straight Arrow Connector 21">
+                <a:extLst>
+                  <a:ext uri="{FF2B5EF4-FFF2-40B4-BE49-F238E27FC236}">
+                    <a16:creationId xmlns:a16="http://schemas.microsoft.com/office/drawing/2014/main" id="{CD7631CC-6F70-B194-3764-058DF4945E92}"/>
+                  </a:ext>
+                </a:extLst>
+              </p:cNvPr>
+              <p:cNvCxnSpPr>
+                <a:cxnSpLocks/>
+              </p:cNvCxnSpPr>
+              <p:nvPr/>
+            </p:nvCxnSpPr>
+            <p:spPr>
+              <a:xfrm flipV="1">
+                <a:off x="6369898" y="1248697"/>
+                <a:ext cx="1417250" cy="641892"/>
+              </a:xfrm>
+              <a:prstGeom prst="straightConnector1">
+                <a:avLst/>
+              </a:prstGeom>
+              <a:ln w="50800">
+                <a:solidFill>
+                  <a:srgbClr val="FFFF00"/>
+                </a:solidFill>
+                <a:tailEnd type="triangle"/>
+              </a:ln>
+            </p:spPr>
+            <p:style>
+              <a:lnRef idx="1">
+                <a:schemeClr val="accent1"/>
+              </a:lnRef>
+              <a:fillRef idx="0">
+                <a:schemeClr val="accent1"/>
+              </a:fillRef>
+              <a:effectRef idx="0">
+                <a:schemeClr val="accent1"/>
+              </a:effectRef>
+              <a:fontRef idx="minor">
+                <a:schemeClr val="tx1"/>
+              </a:fontRef>
+            </p:style>
+          </p:cxnSp>
+          <p:cxnSp>
+            <p:nvCxnSpPr>
+              <p:cNvPr id="24" name="Straight Arrow Connector 23">
+                <a:extLst>
+                  <a:ext uri="{FF2B5EF4-FFF2-40B4-BE49-F238E27FC236}">
+                    <a16:creationId xmlns:a16="http://schemas.microsoft.com/office/drawing/2014/main" id="{27A54B7B-6AA3-9D55-59DC-BD7D08C80733}"/>
+                  </a:ext>
+                </a:extLst>
+              </p:cNvPr>
+              <p:cNvCxnSpPr>
+                <a:cxnSpLocks/>
+                <a:stCxn id="7" idx="0"/>
+                <a:endCxn id="11" idx="14"/>
+              </p:cNvCxnSpPr>
+              <p:nvPr/>
+            </p:nvCxnSpPr>
+            <p:spPr>
+              <a:xfrm>
+                <a:off x="1974616" y="1873248"/>
+                <a:ext cx="3928750" cy="1296824"/>
+              </a:xfrm>
+              <a:prstGeom prst="straightConnector1">
+                <a:avLst/>
+              </a:prstGeom>
+              <a:ln w="50800">
+                <a:solidFill>
+                  <a:srgbClr val="FFFF00"/>
+                </a:solidFill>
+                <a:tailEnd type="triangle"/>
+              </a:ln>
+            </p:spPr>
+            <p:style>
+              <a:lnRef idx="1">
+                <a:schemeClr val="accent1"/>
+              </a:lnRef>
+              <a:fillRef idx="0">
+                <a:schemeClr val="accent1"/>
+              </a:fillRef>
+              <a:effectRef idx="0">
+                <a:schemeClr val="accent1"/>
+              </a:effectRef>
+              <a:fontRef idx="minor">
+                <a:schemeClr val="tx1"/>
+              </a:fontRef>
+            </p:style>
+          </p:cxnSp>
+          <p:cxnSp>
+            <p:nvCxnSpPr>
+              <p:cNvPr id="31" name="Straight Arrow Connector 30">
+                <a:extLst>
+                  <a:ext uri="{FF2B5EF4-FFF2-40B4-BE49-F238E27FC236}">
+                    <a16:creationId xmlns:a16="http://schemas.microsoft.com/office/drawing/2014/main" id="{8A365A0A-AC98-8FC2-FAEC-9E2F99625642}"/>
+                  </a:ext>
+                </a:extLst>
+              </p:cNvPr>
+              <p:cNvCxnSpPr>
+                <a:cxnSpLocks/>
+                <a:endCxn id="45" idx="0"/>
+              </p:cNvCxnSpPr>
+              <p:nvPr/>
+            </p:nvCxnSpPr>
+            <p:spPr>
+              <a:xfrm>
+                <a:off x="6205933" y="3247236"/>
+                <a:ext cx="3193770" cy="1342253"/>
+              </a:xfrm>
+              <a:prstGeom prst="straightConnector1">
+                <a:avLst/>
+              </a:prstGeom>
+              <a:ln w="50800">
+                <a:solidFill>
+                  <a:srgbClr val="FFFF00"/>
+                </a:solidFill>
+                <a:tailEnd type="triangle"/>
+              </a:ln>
+            </p:spPr>
+            <p:style>
+              <a:lnRef idx="1">
+                <a:schemeClr val="accent1"/>
+              </a:lnRef>
+              <a:fillRef idx="0">
+                <a:schemeClr val="accent1"/>
+              </a:fillRef>
+              <a:effectRef idx="0">
+                <a:schemeClr val="accent1"/>
+              </a:effectRef>
+              <a:fontRef idx="minor">
+                <a:schemeClr val="tx1"/>
+              </a:fontRef>
+            </p:style>
+          </p:cxnSp>
+          <p:cxnSp>
+            <p:nvCxnSpPr>
+              <p:cNvPr id="36" name="Straight Arrow Connector 35">
+                <a:extLst>
+                  <a:ext uri="{FF2B5EF4-FFF2-40B4-BE49-F238E27FC236}">
+                    <a16:creationId xmlns:a16="http://schemas.microsoft.com/office/drawing/2014/main" id="{22D7E75C-9721-F04D-7F81-A2D89C43E564}"/>
+                  </a:ext>
+                </a:extLst>
+              </p:cNvPr>
+              <p:cNvCxnSpPr>
+                <a:cxnSpLocks/>
+                <a:stCxn id="7" idx="0"/>
+              </p:cNvCxnSpPr>
+              <p:nvPr/>
+            </p:nvCxnSpPr>
+            <p:spPr>
+              <a:xfrm>
+                <a:off x="1974616" y="1873248"/>
+                <a:ext cx="3776075" cy="2593649"/>
+              </a:xfrm>
+              <a:prstGeom prst="straightConnector1">
+                <a:avLst/>
+              </a:prstGeom>
+              <a:ln w="50800">
+                <a:solidFill>
+                  <a:srgbClr val="FFFF00"/>
+                </a:solidFill>
+                <a:tailEnd type="triangle"/>
+              </a:ln>
+            </p:spPr>
+            <p:style>
+              <a:lnRef idx="1">
+                <a:schemeClr val="accent1"/>
+              </a:lnRef>
+              <a:fillRef idx="0">
+                <a:schemeClr val="accent1"/>
+              </a:fillRef>
+              <a:effectRef idx="0">
+                <a:schemeClr val="accent1"/>
+              </a:effectRef>
+              <a:fontRef idx="minor">
+                <a:schemeClr val="tx1"/>
+              </a:fontRef>
+            </p:style>
+          </p:cxnSp>
+          <p:cxnSp>
+            <p:nvCxnSpPr>
+              <p:cNvPr id="43" name="Straight Arrow Connector 42">
+                <a:extLst>
+                  <a:ext uri="{FF2B5EF4-FFF2-40B4-BE49-F238E27FC236}">
+                    <a16:creationId xmlns:a16="http://schemas.microsoft.com/office/drawing/2014/main" id="{4F509DC9-F07F-916C-6C8C-83FBAE72377C}"/>
+                  </a:ext>
+                </a:extLst>
+              </p:cNvPr>
+              <p:cNvCxnSpPr>
+                <a:cxnSpLocks/>
+                <a:endCxn id="45" idx="0"/>
+              </p:cNvCxnSpPr>
+              <p:nvPr/>
+            </p:nvCxnSpPr>
+            <p:spPr>
+              <a:xfrm>
+                <a:off x="6438352" y="4542324"/>
+                <a:ext cx="2961351" cy="47165"/>
+              </a:xfrm>
+              <a:prstGeom prst="straightConnector1">
+                <a:avLst/>
+              </a:prstGeom>
+              <a:ln w="50800">
+                <a:solidFill>
+                  <a:srgbClr val="FFFF00"/>
+                </a:solidFill>
+                <a:tailEnd type="triangle"/>
+              </a:ln>
+            </p:spPr>
+            <p:style>
+              <a:lnRef idx="1">
+                <a:schemeClr val="accent1"/>
+              </a:lnRef>
+              <a:fillRef idx="0">
+                <a:schemeClr val="accent1"/>
+              </a:fillRef>
+              <a:effectRef idx="0">
+                <a:schemeClr val="accent1"/>
+              </a:effectRef>
+              <a:fontRef idx="minor">
+                <a:schemeClr val="tx1"/>
+              </a:fontRef>
+            </p:style>
+          </p:cxnSp>
+          <p:pic>
+            <p:nvPicPr>
+              <p:cNvPr id="45" name="Picture 44">
+                <a:extLst>
+                  <a:ext uri="{FF2B5EF4-FFF2-40B4-BE49-F238E27FC236}">
+                    <a16:creationId xmlns:a16="http://schemas.microsoft.com/office/drawing/2014/main" id="{286AE151-347A-8374-7A1D-56970007B809}"/>
+                  </a:ext>
+                </a:extLst>
+              </p:cNvPr>
+              <p:cNvPicPr>
+                <a:picLocks noChangeAspect="1"/>
+              </p:cNvPicPr>
+              <p:nvPr/>
+            </p:nvPicPr>
+            <p:blipFill rotWithShape="1">
+              <a:blip r:embed="rId2">
+                <a:extLst>
+                  <a:ext uri="{28A0092B-C50C-407E-A947-70E740481C1C}">
+                    <a14:useLocalDpi xmlns:a14="http://schemas.microsoft.com/office/drawing/2010/main" val="0"/>
+                  </a:ext>
+                </a:extLst>
+              </a:blip>
+              <a:srcRect l="53200" t="24266" r="26533" b="10400"/>
+              <a:stretch/>
+            </p:blipFill>
+            <p:spPr bwMode="auto">
+              <a:xfrm flipV="1">
+                <a:off x="9219708" y="3428996"/>
+                <a:ext cx="359990" cy="1160493"/>
+              </a:xfrm>
+              <a:prstGeom prst="rect">
+                <a:avLst/>
+              </a:prstGeom>
+              <a:ln>
+                <a:noFill/>
+              </a:ln>
+              <a:extLst>
+                <a:ext uri="{53640926-AAD7-44D8-BBD7-CCE9431645EC}">
+                  <a14:shadowObscured xmlns:a14="http://schemas.microsoft.com/office/drawing/2010/main"/>
+                </a:ext>
+              </a:extLst>
+            </p:spPr>
+          </p:pic>
+          <p:sp>
+            <p:nvSpPr>
+              <p:cNvPr id="56" name="Flowchart: Connector 55">
+                <a:extLst>
+                  <a:ext uri="{FF2B5EF4-FFF2-40B4-BE49-F238E27FC236}">
+                    <a16:creationId xmlns:a16="http://schemas.microsoft.com/office/drawing/2014/main" id="{39167B34-BB00-C742-6796-337E2697DC31}"/>
+                  </a:ext>
+                </a:extLst>
+              </p:cNvPr>
+              <p:cNvSpPr/>
+              <p:nvPr/>
+            </p:nvSpPr>
+            <p:spPr>
+              <a:xfrm>
+                <a:off x="9640408" y="3356767"/>
+                <a:ext cx="144000" cy="144463"/>
+              </a:xfrm>
+              <a:prstGeom prst="flowChartConnector">
+                <a:avLst/>
+              </a:prstGeom>
+              <a:solidFill>
+                <a:srgbClr val="FFC000"/>
+              </a:solidFill>
+            </p:spPr>
+            <p:style>
+              <a:lnRef idx="2">
+                <a:schemeClr val="accent1">
+                  <a:shade val="15000"/>
+                </a:schemeClr>
+              </a:lnRef>
+              <a:fillRef idx="1">
+                <a:schemeClr val="accent1"/>
+              </a:fillRef>
+              <a:effectRef idx="0">
+                <a:schemeClr val="accent1"/>
+              </a:effectRef>
+              <a:fontRef idx="minor">
+                <a:schemeClr val="lt1"/>
+              </a:fontRef>
+            </p:style>
+            <p:txBody>
+              <a:bodyPr rtlCol="0" anchor="ctr"/>
+              <a:lstStyle/>
+              <a:p>
+                <a:pPr algn="ctr"/>
+                <a:endParaRPr lang="en-ID"/>
+              </a:p>
+            </p:txBody>
+          </p:sp>
+          <p:sp>
+            <p:nvSpPr>
+              <p:cNvPr id="57" name="TextBox 56">
+                <a:extLst>
+                  <a:ext uri="{FF2B5EF4-FFF2-40B4-BE49-F238E27FC236}">
+                    <a16:creationId xmlns:a16="http://schemas.microsoft.com/office/drawing/2014/main" id="{2BC6ED32-52E3-5DA8-3283-57E44EE6CCC9}"/>
+                  </a:ext>
+                </a:extLst>
+              </p:cNvPr>
+              <p:cNvSpPr txBox="1"/>
+              <p:nvPr/>
+            </p:nvSpPr>
+            <p:spPr>
+              <a:xfrm>
+                <a:off x="9457265" y="3573463"/>
+                <a:ext cx="519710" cy="369332"/>
+              </a:xfrm>
+              <a:prstGeom prst="rect">
+                <a:avLst/>
+              </a:prstGeom>
+              <a:noFill/>
+            </p:spPr>
+            <p:txBody>
+              <a:bodyPr wrap="square" rtlCol="0">
+                <a:spAutoFit/>
+              </a:bodyPr>
+              <a:lstStyle/>
+              <a:p>
+                <a:pPr algn="ctr"/>
+                <a:r>
+                  <a:rPr lang="en-US" dirty="0">
+                    <a:solidFill>
+                      <a:schemeClr val="bg1"/>
+                    </a:solidFill>
+                    <a:latin typeface="Times New Roman" panose="02020603050405020304" pitchFamily="18" charset="0"/>
+                    <a:cs typeface="Times New Roman" panose="02020603050405020304" pitchFamily="18" charset="0"/>
+                  </a:rPr>
+                  <a:t>2F</a:t>
+                </a:r>
+                <a:endParaRPr lang="en-ID" dirty="0">
+                  <a:solidFill>
+                    <a:schemeClr val="bg1"/>
+                  </a:solidFill>
+                  <a:latin typeface="Times New Roman" panose="02020603050405020304" pitchFamily="18" charset="0"/>
+                  <a:cs typeface="Times New Roman" panose="02020603050405020304" pitchFamily="18" charset="0"/>
+                </a:endParaRPr>
+              </a:p>
+            </p:txBody>
+          </p:sp>
+          <p:sp>
+            <p:nvSpPr>
+              <p:cNvPr id="3" name="TextBox 2">
+                <a:extLst>
+                  <a:ext uri="{FF2B5EF4-FFF2-40B4-BE49-F238E27FC236}">
+                    <a16:creationId xmlns:a16="http://schemas.microsoft.com/office/drawing/2014/main" id="{692E7BBB-4AF2-7C23-4250-F81E39033AF7}"/>
+                  </a:ext>
+                </a:extLst>
+              </p:cNvPr>
+              <p:cNvSpPr txBox="1"/>
+              <p:nvPr/>
+            </p:nvSpPr>
+            <p:spPr>
+              <a:xfrm>
+                <a:off x="8199222" y="2877904"/>
+                <a:ext cx="1761224" cy="369332"/>
+              </a:xfrm>
+              <a:prstGeom prst="rect">
+                <a:avLst/>
+              </a:prstGeom>
+              <a:noFill/>
+            </p:spPr>
+            <p:txBody>
+              <a:bodyPr wrap="square" rtlCol="0">
+                <a:spAutoFit/>
+              </a:bodyPr>
+              <a:lstStyle/>
+              <a:p>
+                <a:pPr algn="ctr"/>
+                <a:r>
+                  <a:rPr lang="en-US" dirty="0" err="1">
+                    <a:solidFill>
+                      <a:schemeClr val="bg1"/>
+                    </a:solidFill>
+                    <a:latin typeface="Times New Roman" panose="02020603050405020304" pitchFamily="18" charset="0"/>
+                    <a:cs typeface="Times New Roman" panose="02020603050405020304" pitchFamily="18" charset="0"/>
+                  </a:rPr>
+                  <a:t>Sumbu</a:t>
+                </a:r>
+                <a:r>
+                  <a:rPr lang="en-US" dirty="0">
+                    <a:solidFill>
+                      <a:schemeClr val="bg1"/>
+                    </a:solidFill>
+                    <a:latin typeface="Times New Roman" panose="02020603050405020304" pitchFamily="18" charset="0"/>
+                    <a:cs typeface="Times New Roman" panose="02020603050405020304" pitchFamily="18" charset="0"/>
+                  </a:rPr>
+                  <a:t> Utama</a:t>
+                </a:r>
+                <a:endParaRPr lang="en-ID" dirty="0">
+                  <a:solidFill>
+                    <a:schemeClr val="bg1"/>
+                  </a:solidFill>
+                  <a:latin typeface="Times New Roman" panose="02020603050405020304" pitchFamily="18" charset="0"/>
+                  <a:cs typeface="Times New Roman" panose="02020603050405020304" pitchFamily="18" charset="0"/>
+                </a:endParaRPr>
+              </a:p>
+            </p:txBody>
+          </p:sp>
+          <p:sp>
+            <p:nvSpPr>
+              <p:cNvPr id="4" name="TextBox 3">
+                <a:extLst>
+                  <a:ext uri="{FF2B5EF4-FFF2-40B4-BE49-F238E27FC236}">
+                    <a16:creationId xmlns:a16="http://schemas.microsoft.com/office/drawing/2014/main" id="{449D3761-F891-AD91-34C6-E249A6A3CBCA}"/>
+                  </a:ext>
+                </a:extLst>
+              </p:cNvPr>
+              <p:cNvSpPr txBox="1"/>
+              <p:nvPr/>
+            </p:nvSpPr>
+            <p:spPr>
+              <a:xfrm>
+                <a:off x="1031073" y="1443642"/>
+                <a:ext cx="1761224" cy="369332"/>
+              </a:xfrm>
+              <a:prstGeom prst="rect">
+                <a:avLst/>
+              </a:prstGeom>
+              <a:noFill/>
+            </p:spPr>
+            <p:txBody>
+              <a:bodyPr wrap="square" rtlCol="0">
+                <a:spAutoFit/>
+              </a:bodyPr>
+              <a:lstStyle/>
+              <a:p>
+                <a:pPr algn="ctr"/>
+                <a:r>
+                  <a:rPr lang="en-US" dirty="0" err="1">
+                    <a:solidFill>
+                      <a:schemeClr val="bg1"/>
+                    </a:solidFill>
+                    <a:latin typeface="Times New Roman" panose="02020603050405020304" pitchFamily="18" charset="0"/>
+                    <a:cs typeface="Times New Roman" panose="02020603050405020304" pitchFamily="18" charset="0"/>
+                  </a:rPr>
+                  <a:t>Objek</a:t>
+                </a:r>
+                <a:endParaRPr lang="en-ID" dirty="0">
+                  <a:solidFill>
+                    <a:schemeClr val="bg1"/>
+                  </a:solidFill>
+                  <a:latin typeface="Times New Roman" panose="02020603050405020304" pitchFamily="18" charset="0"/>
+                  <a:cs typeface="Times New Roman" panose="02020603050405020304" pitchFamily="18" charset="0"/>
+                </a:endParaRPr>
+              </a:p>
+            </p:txBody>
+          </p:sp>
+          <p:sp>
+            <p:nvSpPr>
+              <p:cNvPr id="8" name="TextBox 7">
+                <a:extLst>
+                  <a:ext uri="{FF2B5EF4-FFF2-40B4-BE49-F238E27FC236}">
+                    <a16:creationId xmlns:a16="http://schemas.microsoft.com/office/drawing/2014/main" id="{7BA4F0DF-E37F-E227-4EE8-092AD24842A6}"/>
+                  </a:ext>
+                </a:extLst>
+              </p:cNvPr>
+              <p:cNvSpPr txBox="1"/>
+              <p:nvPr/>
+            </p:nvSpPr>
+            <p:spPr>
+              <a:xfrm>
+                <a:off x="8456160" y="4727732"/>
+                <a:ext cx="1761224" cy="369332"/>
+              </a:xfrm>
+              <a:prstGeom prst="rect">
+                <a:avLst/>
+              </a:prstGeom>
+              <a:noFill/>
+            </p:spPr>
+            <p:txBody>
+              <a:bodyPr wrap="square" rtlCol="0">
+                <a:spAutoFit/>
+              </a:bodyPr>
+              <a:lstStyle/>
+              <a:p>
+                <a:pPr algn="ctr"/>
+                <a:r>
+                  <a:rPr lang="en-US" dirty="0" err="1">
+                    <a:solidFill>
+                      <a:schemeClr val="bg1"/>
+                    </a:solidFill>
+                    <a:latin typeface="Times New Roman" panose="02020603050405020304" pitchFamily="18" charset="0"/>
+                    <a:cs typeface="Times New Roman" panose="02020603050405020304" pitchFamily="18" charset="0"/>
+                  </a:rPr>
+                  <a:t>Bayangan</a:t>
+                </a:r>
+                <a:endParaRPr lang="en-ID" dirty="0">
+                  <a:solidFill>
+                    <a:schemeClr val="bg1"/>
+                  </a:solidFill>
+                  <a:latin typeface="Times New Roman" panose="02020603050405020304" pitchFamily="18" charset="0"/>
+                  <a:cs typeface="Times New Roman" panose="02020603050405020304" pitchFamily="18" charset="0"/>
+                </a:endParaRPr>
+              </a:p>
+            </p:txBody>
+          </p:sp>
+        </p:grpSp>
+      </p:grpSp>
+      <p:sp>
+        <p:nvSpPr>
+          <p:cNvPr id="11" name="Freeform: Shape 10">
+            <a:extLst>
+              <a:ext uri="{FF2B5EF4-FFF2-40B4-BE49-F238E27FC236}">
+                <a16:creationId xmlns:a16="http://schemas.microsoft.com/office/drawing/2014/main" id="{59878C6C-3CE4-896C-7252-D6E1B536961D}"/>
+              </a:ext>
+            </a:extLst>
+          </p:cNvPr>
+          <p:cNvSpPr/>
+          <p:nvPr/>
+        </p:nvSpPr>
+        <p:spPr>
+          <a:xfrm>
+            <a:off x="5398612" y="1614322"/>
+            <a:ext cx="1072362" cy="3111500"/>
+          </a:xfrm>
+          <a:custGeom>
+            <a:avLst/>
+            <a:gdLst>
+              <a:gd name="connsiteX0" fmla="*/ 1072362 w 1072362"/>
+              <a:gd name="connsiteY0" fmla="*/ 2964866 h 2971800"/>
+              <a:gd name="connsiteX1" fmla="*/ 1072362 w 1072362"/>
+              <a:gd name="connsiteY1" fmla="*/ 2971800 h 2971800"/>
+              <a:gd name="connsiteX2" fmla="*/ 1066800 w 1072362"/>
+              <a:gd name="connsiteY2" fmla="*/ 2971800 h 2971800"/>
+              <a:gd name="connsiteX3" fmla="*/ 1066800 w 1072362"/>
+              <a:gd name="connsiteY3" fmla="*/ 0 h 2971800"/>
+              <a:gd name="connsiteX4" fmla="*/ 1072362 w 1072362"/>
+              <a:gd name="connsiteY4" fmla="*/ 0 h 2971800"/>
+              <a:gd name="connsiteX5" fmla="*/ 1072362 w 1072362"/>
+              <a:gd name="connsiteY5" fmla="*/ 6934 h 2971800"/>
+              <a:gd name="connsiteX6" fmla="*/ 0 w 1072362"/>
+              <a:gd name="connsiteY6" fmla="*/ 0 h 2971800"/>
+              <a:gd name="connsiteX7" fmla="*/ 849324 w 1072362"/>
+              <a:gd name="connsiteY7" fmla="*/ 0 h 2971800"/>
+              <a:gd name="connsiteX8" fmla="*/ 807288 w 1072362"/>
+              <a:gd name="connsiteY8" fmla="*/ 52409 h 2971800"/>
+              <a:gd name="connsiteX9" fmla="*/ 570712 w 1072362"/>
+              <a:gd name="connsiteY9" fmla="*/ 1485900 h 2971800"/>
+              <a:gd name="connsiteX10" fmla="*/ 807288 w 1072362"/>
+              <a:gd name="connsiteY10" fmla="*/ 2919392 h 2971800"/>
+              <a:gd name="connsiteX11" fmla="*/ 849324 w 1072362"/>
+              <a:gd name="connsiteY11" fmla="*/ 2971800 h 2971800"/>
+              <a:gd name="connsiteX12" fmla="*/ 0 w 1072362"/>
+              <a:gd name="connsiteY12" fmla="*/ 2971800 h 2971800"/>
+              <a:gd name="connsiteX13" fmla="*/ 42036 w 1072362"/>
+              <a:gd name="connsiteY13" fmla="*/ 2919392 h 2971800"/>
+              <a:gd name="connsiteX14" fmla="*/ 278612 w 1072362"/>
+              <a:gd name="connsiteY14" fmla="*/ 1485900 h 2971800"/>
+              <a:gd name="connsiteX15" fmla="*/ 42036 w 1072362"/>
+              <a:gd name="connsiteY15" fmla="*/ 52409 h 2971800"/>
+            </a:gdLst>
+            <a:ahLst/>
+            <a:cxnLst>
+              <a:cxn ang="0">
+                <a:pos x="connsiteX0" y="connsiteY0"/>
+              </a:cxn>
+              <a:cxn ang="0">
+                <a:pos x="connsiteX1" y="connsiteY1"/>
+              </a:cxn>
+              <a:cxn ang="0">
+                <a:pos x="connsiteX2" y="connsiteY2"/>
+              </a:cxn>
+              <a:cxn ang="0">
+                <a:pos x="connsiteX3" y="connsiteY3"/>
+              </a:cxn>
+              <a:cxn ang="0">
+                <a:pos x="connsiteX4" y="connsiteY4"/>
+              </a:cxn>
+              <a:cxn ang="0">
+                <a:pos x="connsiteX5" y="connsiteY5"/>
+              </a:cxn>
+              <a:cxn ang="0">
+                <a:pos x="connsiteX6" y="connsiteY6"/>
+              </a:cxn>
+              <a:cxn ang="0">
+                <a:pos x="connsiteX7" y="connsiteY7"/>
+              </a:cxn>
+              <a:cxn ang="0">
+                <a:pos x="connsiteX8" y="connsiteY8"/>
+              </a:cxn>
+              <a:cxn ang="0">
+                <a:pos x="connsiteX9" y="connsiteY9"/>
+              </a:cxn>
+              <a:cxn ang="0">
+                <a:pos x="connsiteX10" y="connsiteY10"/>
+              </a:cxn>
+              <a:cxn ang="0">
+                <a:pos x="connsiteX11" y="connsiteY11"/>
+              </a:cxn>
+              <a:cxn ang="0">
+                <a:pos x="connsiteX12" y="connsiteY12"/>
+              </a:cxn>
+              <a:cxn ang="0">
+                <a:pos x="connsiteX13" y="connsiteY13"/>
+              </a:cxn>
+              <a:cxn ang="0">
+                <a:pos x="connsiteX14" y="connsiteY14"/>
+              </a:cxn>
+              <a:cxn ang="0">
+                <a:pos x="connsiteX15" y="connsiteY15"/>
+              </a:cxn>
+            </a:cxnLst>
+            <a:rect l="l" t="t" r="r" b="b"/>
+            <a:pathLst>
+              <a:path w="1072362" h="2971800">
+                <a:moveTo>
+                  <a:pt x="1072362" y="2964866"/>
+                </a:moveTo>
+                <a:lnTo>
+                  <a:pt x="1072362" y="2971800"/>
+                </a:lnTo>
+                <a:lnTo>
+                  <a:pt x="1066800" y="2971800"/>
+                </a:lnTo>
+                <a:close/>
+                <a:moveTo>
+                  <a:pt x="1066800" y="0"/>
+                </a:moveTo>
+                <a:lnTo>
+                  <a:pt x="1072362" y="0"/>
+                </a:lnTo>
+                <a:lnTo>
+                  <a:pt x="1072362" y="6934"/>
+                </a:lnTo>
+                <a:close/>
+                <a:moveTo>
+                  <a:pt x="0" y="0"/>
+                </a:moveTo>
+                <a:lnTo>
+                  <a:pt x="849324" y="0"/>
+                </a:lnTo>
+                <a:lnTo>
+                  <a:pt x="807288" y="52409"/>
+                </a:lnTo>
+                <a:cubicBezTo>
+                  <a:pt x="668263" y="288584"/>
+                  <a:pt x="570712" y="841487"/>
+                  <a:pt x="570712" y="1485900"/>
+                </a:cubicBezTo>
+                <a:cubicBezTo>
+                  <a:pt x="570712" y="2130313"/>
+                  <a:pt x="668263" y="2683216"/>
+                  <a:pt x="807288" y="2919392"/>
+                </a:cubicBezTo>
+                <a:lnTo>
+                  <a:pt x="849324" y="2971800"/>
+                </a:lnTo>
+                <a:lnTo>
+                  <a:pt x="0" y="2971800"/>
+                </a:lnTo>
+                <a:lnTo>
+                  <a:pt x="42036" y="2919392"/>
+                </a:lnTo>
+                <a:cubicBezTo>
+                  <a:pt x="181062" y="2683216"/>
+                  <a:pt x="278612" y="2130313"/>
+                  <a:pt x="278612" y="1485900"/>
+                </a:cubicBezTo>
+                <a:cubicBezTo>
+                  <a:pt x="278612" y="841487"/>
+                  <a:pt x="181062" y="288584"/>
+                  <a:pt x="42036" y="52409"/>
+                </a:cubicBezTo>
+                <a:close/>
+              </a:path>
+            </a:pathLst>
+          </a:custGeom>
+          <a:gradFill>
+            <a:gsLst>
+              <a:gs pos="43000">
+                <a:schemeClr val="accent1"/>
+              </a:gs>
+              <a:gs pos="91000">
+                <a:schemeClr val="accent1">
+                  <a:lumMod val="45000"/>
+                  <a:lumOff val="55000"/>
+                </a:schemeClr>
+              </a:gs>
+              <a:gs pos="9000">
+                <a:schemeClr val="accent1">
+                  <a:lumMod val="30000"/>
+                  <a:lumOff val="70000"/>
+                </a:schemeClr>
+              </a:gs>
+            </a:gsLst>
+            <a:lin ang="5400000" scaled="1"/>
+          </a:gradFill>
+        </p:spPr>
+        <p:style>
+          <a:lnRef idx="2">
+            <a:schemeClr val="accent1">
+              <a:shade val="15000"/>
+            </a:schemeClr>
+          </a:lnRef>
+          <a:fillRef idx="1">
+            <a:schemeClr val="accent1"/>
+          </a:fillRef>
+          <a:effectRef idx="0">
+            <a:schemeClr val="accent1"/>
+          </a:effectRef>
+          <a:fontRef idx="minor">
+            <a:schemeClr val="lt1"/>
+          </a:fontRef>
+        </p:style>
+        <p:txBody>
+          <a:bodyPr wrap="square" rtlCol="0" anchor="ctr">
+            <a:noAutofit/>
+          </a:bodyPr>
+          <a:lstStyle/>
+          <a:p>
+            <a:pPr algn="ctr"/>
+            <a:endParaRPr lang="en-ID" dirty="0"/>
+          </a:p>
+        </p:txBody>
+      </p:sp>
+    </p:spTree>
+    <p:extLst>
+      <p:ext uri="{BB962C8B-B14F-4D97-AF65-F5344CB8AC3E}">
+        <p14:creationId xmlns:p14="http://schemas.microsoft.com/office/powerpoint/2010/main" val="1590145565"/>
+      </p:ext>
+    </p:extLst>
+  </p:cSld>
+  <p:clrMapOvr>
+    <a:masterClrMapping/>
+  </p:clrMapOvr>
+</p:sld>
+</file>
+
+<file path=ppt/slides/slide12.xml><?xml version="1.0" encoding="utf-8"?>
+<p:sld xmlns:a="http://schemas.openxmlformats.org/drawingml/2006/main" xmlns:r="http://schemas.openxmlformats.org/officeDocument/2006/relationships" xmlns:p="http://schemas.openxmlformats.org/presentationml/2006/main">
+  <p:cSld>
+    <p:spTree>
+      <p:nvGrpSpPr>
+        <p:cNvPr id="1" name=""/>
+        <p:cNvGrpSpPr/>
+        <p:nvPr/>
+      </p:nvGrpSpPr>
+      <p:grpSpPr>
+        <a:xfrm>
+          <a:off x="0" y="0"/>
+          <a:ext cx="0" cy="0"/>
+          <a:chOff x="0" y="0"/>
+          <a:chExt cx="0" cy="0"/>
+        </a:xfrm>
+      </p:grpSpPr>
+    </p:spTree>
+    <p:extLst>
+      <p:ext uri="{BB962C8B-B14F-4D97-AF65-F5344CB8AC3E}">
+        <p14:creationId xmlns:p14="http://schemas.microsoft.com/office/powerpoint/2010/main" val="1253132308"/>
+      </p:ext>
+    </p:extLst>
+  </p:cSld>
+  <p:clrMapOvr>
+    <a:masterClrMapping/>
+  </p:clrMapOvr>
+</p:sld>
+</file>
+
+<file path=ppt/slides/slide13.xml><?xml version="1.0" encoding="utf-8"?>
+<p:sld xmlns:a="http://schemas.openxmlformats.org/drawingml/2006/main" xmlns:r="http://schemas.openxmlformats.org/officeDocument/2006/relationships" xmlns:p="http://schemas.openxmlformats.org/presentationml/2006/main">
+  <p:cSld>
+    <p:spTree>
+      <p:nvGrpSpPr>
+        <p:cNvPr id="1" name=""/>
+        <p:cNvGrpSpPr/>
+        <p:nvPr/>
+      </p:nvGrpSpPr>
+      <p:grpSpPr>
+        <a:xfrm>
+          <a:off x="0" y="0"/>
+          <a:ext cx="0" cy="0"/>
+          <a:chOff x="0" y="0"/>
+          <a:chExt cx="0" cy="0"/>
+        </a:xfrm>
+      </p:grpSpPr>
+      <p:grpSp>
+        <p:nvGrpSpPr>
           <p:cNvPr id="6" name="Group 5">
             <a:extLst>
               <a:ext uri="{FF2B5EF4-FFF2-40B4-BE49-F238E27FC236}">
@@ -4728,7 +5998,7 @@
 </p:sld>
 </file>
 
-<file path=ppt/slides/slide12.xml><?xml version="1.0" encoding="utf-8"?>
+<file path=ppt/slides/slide14.xml><?xml version="1.0" encoding="utf-8"?>
 <p:sld xmlns:a="http://schemas.openxmlformats.org/drawingml/2006/main" xmlns:r="http://schemas.openxmlformats.org/officeDocument/2006/relationships" xmlns:p="http://schemas.openxmlformats.org/presentationml/2006/main">
   <p:cSld>
     <p:spTree>
@@ -4917,7 +6187,7 @@
 </p:sld>
 </file>
 
-<file path=ppt/slides/slide13.xml><?xml version="1.0" encoding="utf-8"?>
+<file path=ppt/slides/slide15.xml><?xml version="1.0" encoding="utf-8"?>
 <p:sld xmlns:a="http://schemas.openxmlformats.org/drawingml/2006/main" xmlns:r="http://schemas.openxmlformats.org/officeDocument/2006/relationships" xmlns:p="http://schemas.openxmlformats.org/presentationml/2006/main">
   <p:cSld>
     <p:spTree>
@@ -5254,7 +6524,7 @@
 </p:sld>
 </file>
 
-<file path=ppt/slides/slide14.xml><?xml version="1.0" encoding="utf-8"?>
+<file path=ppt/slides/slide16.xml><?xml version="1.0" encoding="utf-8"?>
 <p:sld xmlns:a="http://schemas.openxmlformats.org/drawingml/2006/main" xmlns:r="http://schemas.openxmlformats.org/officeDocument/2006/relationships" xmlns:p="http://schemas.openxmlformats.org/presentationml/2006/main">
   <p:cSld>
     <p:spTree>
@@ -5601,7 +6871,7 @@
 </p:sld>
 </file>
 
-<file path=ppt/slides/slide15.xml><?xml version="1.0" encoding="utf-8"?>
+<file path=ppt/slides/slide17.xml><?xml version="1.0" encoding="utf-8"?>
 <p:sld xmlns:a="http://schemas.openxmlformats.org/drawingml/2006/main" xmlns:r="http://schemas.openxmlformats.org/officeDocument/2006/relationships" xmlns:p="http://schemas.openxmlformats.org/presentationml/2006/main">
   <p:cSld>
     <p:spTree>
@@ -6603,7 +7873,7 @@
 </p:sld>
 </file>
 
-<file path=ppt/slides/slide16.xml><?xml version="1.0" encoding="utf-8"?>
+<file path=ppt/slides/slide18.xml><?xml version="1.0" encoding="utf-8"?>
 <p:sld xmlns:a="http://schemas.openxmlformats.org/drawingml/2006/main" xmlns:r="http://schemas.openxmlformats.org/officeDocument/2006/relationships" xmlns:p="http://schemas.openxmlformats.org/presentationml/2006/main">
   <p:cSld>
     <p:spTree>
@@ -7902,7 +9172,7 @@
 </p:sld>
 </file>
 
-<file path=ppt/slides/slide17.xml><?xml version="1.0" encoding="utf-8"?>
+<file path=ppt/slides/slide19.xml><?xml version="1.0" encoding="utf-8"?>
 <p:sld xmlns:a="http://schemas.openxmlformats.org/drawingml/2006/main" xmlns:r="http://schemas.openxmlformats.org/officeDocument/2006/relationships" xmlns:p="http://schemas.openxmlformats.org/presentationml/2006/main">
   <p:cSld>
     <p:spTree>
@@ -9245,7 +10515,545 @@
 </p:sld>
 </file>
 
-<file path=ppt/slides/slide18.xml><?xml version="1.0" encoding="utf-8"?>
+<file path=ppt/slides/slide2.xml><?xml version="1.0" encoding="utf-8"?>
+<p:sld xmlns:a="http://schemas.openxmlformats.org/drawingml/2006/main" xmlns:r="http://schemas.openxmlformats.org/officeDocument/2006/relationships" xmlns:p="http://schemas.openxmlformats.org/presentationml/2006/main">
+  <p:cSld>
+    <p:spTree>
+      <p:nvGrpSpPr>
+        <p:cNvPr id="1" name=""/>
+        <p:cNvGrpSpPr/>
+        <p:nvPr/>
+      </p:nvGrpSpPr>
+      <p:grpSpPr>
+        <a:xfrm>
+          <a:off x="0" y="0"/>
+          <a:ext cx="0" cy="0"/>
+          <a:chOff x="0" y="0"/>
+          <a:chExt cx="0" cy="0"/>
+        </a:xfrm>
+      </p:grpSpPr>
+      <p:grpSp>
+        <p:nvGrpSpPr>
+          <p:cNvPr id="2" name="Group 1">
+            <a:extLst>
+              <a:ext uri="{FF2B5EF4-FFF2-40B4-BE49-F238E27FC236}">
+                <a16:creationId xmlns:a16="http://schemas.microsoft.com/office/drawing/2014/main" id="{563319B1-7464-A4C9-E347-5D386DACC12F}"/>
+              </a:ext>
+            </a:extLst>
+          </p:cNvPr>
+          <p:cNvGrpSpPr/>
+          <p:nvPr/>
+        </p:nvGrpSpPr>
+        <p:grpSpPr>
+          <a:xfrm>
+            <a:off x="3576002" y="2101215"/>
+            <a:ext cx="5039995" cy="2655570"/>
+            <a:chOff x="0" y="0"/>
+            <a:chExt cx="5039995" cy="2655570"/>
+          </a:xfrm>
+        </p:grpSpPr>
+        <p:grpSp>
+          <p:nvGrpSpPr>
+            <p:cNvPr id="3" name="Group 2">
+              <a:extLst>
+                <a:ext uri="{FF2B5EF4-FFF2-40B4-BE49-F238E27FC236}">
+                  <a16:creationId xmlns:a16="http://schemas.microsoft.com/office/drawing/2014/main" id="{BF64C74F-DB1C-64BF-03E0-4D7C0D908E89}"/>
+                </a:ext>
+              </a:extLst>
+            </p:cNvPr>
+            <p:cNvGrpSpPr/>
+            <p:nvPr/>
+          </p:nvGrpSpPr>
+          <p:grpSpPr>
+            <a:xfrm>
+              <a:off x="0" y="0"/>
+              <a:ext cx="5039995" cy="2655570"/>
+              <a:chOff x="0" y="0"/>
+              <a:chExt cx="5039995" cy="2655570"/>
+            </a:xfrm>
+          </p:grpSpPr>
+          <p:pic>
+            <p:nvPicPr>
+              <p:cNvPr id="9" name="Picture 8">
+                <a:extLst>
+                  <a:ext uri="{FF2B5EF4-FFF2-40B4-BE49-F238E27FC236}">
+                    <a16:creationId xmlns:a16="http://schemas.microsoft.com/office/drawing/2014/main" id="{150AE3B8-8E0C-3F34-3B35-09D4A832EE57}"/>
+                  </a:ext>
+                </a:extLst>
+              </p:cNvPr>
+              <p:cNvPicPr>
+                <a:picLocks noChangeAspect="1"/>
+              </p:cNvPicPr>
+              <p:nvPr/>
+            </p:nvPicPr>
+            <p:blipFill>
+              <a:blip r:embed="rId2" cstate="print">
+                <a:extLst>
+                  <a:ext uri="{28A0092B-C50C-407E-A947-70E740481C1C}">
+                    <a14:useLocalDpi xmlns:a14="http://schemas.microsoft.com/office/drawing/2010/main" val="0"/>
+                  </a:ext>
+                </a:extLst>
+              </a:blip>
+              <a:stretch>
+                <a:fillRect/>
+              </a:stretch>
+            </p:blipFill>
+            <p:spPr>
+              <a:xfrm>
+                <a:off x="0" y="0"/>
+                <a:ext cx="5039995" cy="2655570"/>
+              </a:xfrm>
+              <a:prstGeom prst="rect">
+                <a:avLst/>
+              </a:prstGeom>
+              <a:ln>
+                <a:solidFill>
+                  <a:schemeClr val="tx1"/>
+                </a:solidFill>
+              </a:ln>
+            </p:spPr>
+          </p:pic>
+          <p:grpSp>
+            <p:nvGrpSpPr>
+              <p:cNvPr id="10" name="Group 9">
+                <a:extLst>
+                  <a:ext uri="{FF2B5EF4-FFF2-40B4-BE49-F238E27FC236}">
+                    <a16:creationId xmlns:a16="http://schemas.microsoft.com/office/drawing/2014/main" id="{19BF7B4B-FFC8-228E-22CE-98CFA1D3788B}"/>
+                  </a:ext>
+                </a:extLst>
+              </p:cNvPr>
+              <p:cNvGrpSpPr/>
+              <p:nvPr/>
+            </p:nvGrpSpPr>
+            <p:grpSpPr>
+              <a:xfrm>
+                <a:off x="292100" y="0"/>
+                <a:ext cx="4508500" cy="1765300"/>
+                <a:chOff x="0" y="0"/>
+                <a:chExt cx="4508500" cy="1765300"/>
+              </a:xfrm>
+            </p:grpSpPr>
+            <p:sp>
+              <p:nvSpPr>
+                <p:cNvPr id="11" name="Rectangle 10">
+                  <a:extLst>
+                    <a:ext uri="{FF2B5EF4-FFF2-40B4-BE49-F238E27FC236}">
+                      <a16:creationId xmlns:a16="http://schemas.microsoft.com/office/drawing/2014/main" id="{06585989-39BA-D452-DADF-9BE3B60CFCA8}"/>
+                    </a:ext>
+                  </a:extLst>
+                </p:cNvPr>
+                <p:cNvSpPr/>
+                <p:nvPr/>
+              </p:nvSpPr>
+              <p:spPr>
+                <a:xfrm>
+                  <a:off x="1536700" y="0"/>
+                  <a:ext cx="1441450" cy="260350"/>
+                </a:xfrm>
+                <a:prstGeom prst="rect">
+                  <a:avLst/>
+                </a:prstGeom>
+                <a:noFill/>
+                <a:ln w="34925">
+                  <a:solidFill>
+                    <a:srgbClr val="FF0000"/>
+                  </a:solidFill>
+                </a:ln>
+              </p:spPr>
+              <p:style>
+                <a:lnRef idx="2">
+                  <a:schemeClr val="accent2"/>
+                </a:lnRef>
+                <a:fillRef idx="1">
+                  <a:schemeClr val="lt1"/>
+                </a:fillRef>
+                <a:effectRef idx="0">
+                  <a:schemeClr val="accent2"/>
+                </a:effectRef>
+                <a:fontRef idx="minor">
+                  <a:schemeClr val="dk1"/>
+                </a:fontRef>
+              </p:style>
+              <p:txBody>
+                <a:bodyPr rot="0" spcFirstLastPara="0" vert="horz" wrap="square" lIns="91440" tIns="45720" rIns="91440" bIns="45720" numCol="1" spcCol="0" rtlCol="0" fromWordArt="0" anchor="ctr" anchorCtr="0" forceAA="0" compatLnSpc="1">
+                  <a:prstTxWarp prst="textNoShape">
+                    <a:avLst/>
+                  </a:prstTxWarp>
+                  <a:noAutofit/>
+                </a:bodyPr>
+                <a:lstStyle/>
+                <a:p>
+                  <a:endParaRPr lang="en-ID"/>
+                </a:p>
+              </p:txBody>
+            </p:sp>
+            <p:sp>
+              <p:nvSpPr>
+                <p:cNvPr id="12" name="Rectangle 11">
+                  <a:extLst>
+                    <a:ext uri="{FF2B5EF4-FFF2-40B4-BE49-F238E27FC236}">
+                      <a16:creationId xmlns:a16="http://schemas.microsoft.com/office/drawing/2014/main" id="{2BD15C08-4CFA-BDFE-6057-541B1CFBDB97}"/>
+                    </a:ext>
+                  </a:extLst>
+                </p:cNvPr>
+                <p:cNvSpPr/>
+                <p:nvPr/>
+              </p:nvSpPr>
+              <p:spPr>
+                <a:xfrm>
+                  <a:off x="3879850" y="0"/>
+                  <a:ext cx="628650" cy="260350"/>
+                </a:xfrm>
+                <a:prstGeom prst="rect">
+                  <a:avLst/>
+                </a:prstGeom>
+                <a:noFill/>
+                <a:ln w="34925">
+                  <a:solidFill>
+                    <a:srgbClr val="FF0000"/>
+                  </a:solidFill>
+                </a:ln>
+              </p:spPr>
+              <p:style>
+                <a:lnRef idx="2">
+                  <a:schemeClr val="accent2"/>
+                </a:lnRef>
+                <a:fillRef idx="1">
+                  <a:schemeClr val="lt1"/>
+                </a:fillRef>
+                <a:effectRef idx="0">
+                  <a:schemeClr val="accent2"/>
+                </a:effectRef>
+                <a:fontRef idx="minor">
+                  <a:schemeClr val="dk1"/>
+                </a:fontRef>
+              </p:style>
+              <p:txBody>
+                <a:bodyPr rot="0" spcFirstLastPara="0" vert="horz" wrap="square" lIns="91440" tIns="45720" rIns="91440" bIns="45720" numCol="1" spcCol="0" rtlCol="0" fromWordArt="0" anchor="ctr" anchorCtr="0" forceAA="0" compatLnSpc="1">
+                  <a:prstTxWarp prst="textNoShape">
+                    <a:avLst/>
+                  </a:prstTxWarp>
+                  <a:noAutofit/>
+                </a:bodyPr>
+                <a:lstStyle/>
+                <a:p>
+                  <a:endParaRPr lang="en-ID"/>
+                </a:p>
+              </p:txBody>
+            </p:sp>
+            <p:sp>
+              <p:nvSpPr>
+                <p:cNvPr id="13" name="Rectangle 12">
+                  <a:extLst>
+                    <a:ext uri="{FF2B5EF4-FFF2-40B4-BE49-F238E27FC236}">
+                      <a16:creationId xmlns:a16="http://schemas.microsoft.com/office/drawing/2014/main" id="{9A1325D0-6C5A-2DA8-350A-2492E74441FE}"/>
+                    </a:ext>
+                  </a:extLst>
+                </p:cNvPr>
+                <p:cNvSpPr/>
+                <p:nvPr/>
+              </p:nvSpPr>
+              <p:spPr>
+                <a:xfrm>
+                  <a:off x="0" y="1504950"/>
+                  <a:ext cx="857250" cy="260350"/>
+                </a:xfrm>
+                <a:prstGeom prst="rect">
+                  <a:avLst/>
+                </a:prstGeom>
+                <a:noFill/>
+                <a:ln w="34925">
+                  <a:solidFill>
+                    <a:srgbClr val="FF0000"/>
+                  </a:solidFill>
+                </a:ln>
+              </p:spPr>
+              <p:style>
+                <a:lnRef idx="2">
+                  <a:schemeClr val="accent2"/>
+                </a:lnRef>
+                <a:fillRef idx="1">
+                  <a:schemeClr val="lt1"/>
+                </a:fillRef>
+                <a:effectRef idx="0">
+                  <a:schemeClr val="accent2"/>
+                </a:effectRef>
+                <a:fontRef idx="minor">
+                  <a:schemeClr val="dk1"/>
+                </a:fontRef>
+              </p:style>
+              <p:txBody>
+                <a:bodyPr rot="0" spcFirstLastPara="0" vert="horz" wrap="square" lIns="91440" tIns="45720" rIns="91440" bIns="45720" numCol="1" spcCol="0" rtlCol="0" fromWordArt="0" anchor="ctr" anchorCtr="0" forceAA="0" compatLnSpc="1">
+                  <a:prstTxWarp prst="textNoShape">
+                    <a:avLst/>
+                  </a:prstTxWarp>
+                  <a:noAutofit/>
+                </a:bodyPr>
+                <a:lstStyle/>
+                <a:p>
+                  <a:endParaRPr lang="en-ID"/>
+                </a:p>
+              </p:txBody>
+            </p:sp>
+          </p:grpSp>
+        </p:grpSp>
+        <p:cxnSp>
+          <p:nvCxnSpPr>
+            <p:cNvPr id="4" name="Straight Arrow Connector 3">
+              <a:extLst>
+                <a:ext uri="{FF2B5EF4-FFF2-40B4-BE49-F238E27FC236}">
+                  <a16:creationId xmlns:a16="http://schemas.microsoft.com/office/drawing/2014/main" id="{0E58F785-FD4C-CE0A-4915-0361FB8039E1}"/>
+                </a:ext>
+              </a:extLst>
+            </p:cNvPr>
+            <p:cNvCxnSpPr/>
+            <p:nvPr/>
+          </p:nvCxnSpPr>
+          <p:spPr>
+            <a:xfrm>
+              <a:off x="2419350" y="260350"/>
+              <a:ext cx="514350" cy="292100"/>
+            </a:xfrm>
+            <a:prstGeom prst="straightConnector1">
+              <a:avLst/>
+            </a:prstGeom>
+            <a:ln>
+              <a:solidFill>
+                <a:srgbClr val="FF0000"/>
+              </a:solidFill>
+              <a:tailEnd type="triangle"/>
+            </a:ln>
+          </p:spPr>
+          <p:style>
+            <a:lnRef idx="1">
+              <a:schemeClr val="accent1"/>
+            </a:lnRef>
+            <a:fillRef idx="0">
+              <a:schemeClr val="accent1"/>
+            </a:fillRef>
+            <a:effectRef idx="0">
+              <a:schemeClr val="accent1"/>
+            </a:effectRef>
+            <a:fontRef idx="minor">
+              <a:schemeClr val="tx1"/>
+            </a:fontRef>
+          </p:style>
+        </p:cxnSp>
+        <p:cxnSp>
+          <p:nvCxnSpPr>
+            <p:cNvPr id="5" name="Straight Arrow Connector 4">
+              <a:extLst>
+                <a:ext uri="{FF2B5EF4-FFF2-40B4-BE49-F238E27FC236}">
+                  <a16:creationId xmlns:a16="http://schemas.microsoft.com/office/drawing/2014/main" id="{BFEBFCFF-9679-8B15-5E44-2A48B4AF8887}"/>
+                </a:ext>
+              </a:extLst>
+            </p:cNvPr>
+            <p:cNvCxnSpPr/>
+            <p:nvPr/>
+          </p:nvCxnSpPr>
+          <p:spPr>
+            <a:xfrm flipH="1">
+              <a:off x="4216400" y="260350"/>
+              <a:ext cx="298450" cy="247650"/>
+            </a:xfrm>
+            <a:prstGeom prst="straightConnector1">
+              <a:avLst/>
+            </a:prstGeom>
+            <a:ln>
+              <a:solidFill>
+                <a:srgbClr val="FF0000"/>
+              </a:solidFill>
+              <a:tailEnd type="triangle"/>
+            </a:ln>
+          </p:spPr>
+          <p:style>
+            <a:lnRef idx="1">
+              <a:schemeClr val="accent1"/>
+            </a:lnRef>
+            <a:fillRef idx="0">
+              <a:schemeClr val="accent1"/>
+            </a:fillRef>
+            <a:effectRef idx="0">
+              <a:schemeClr val="accent1"/>
+            </a:effectRef>
+            <a:fontRef idx="minor">
+              <a:schemeClr val="tx1"/>
+            </a:fontRef>
+          </p:style>
+        </p:cxnSp>
+        <p:sp>
+          <p:nvSpPr>
+            <p:cNvPr id="6" name="Text Box 88">
+              <a:extLst>
+                <a:ext uri="{FF2B5EF4-FFF2-40B4-BE49-F238E27FC236}">
+                  <a16:creationId xmlns:a16="http://schemas.microsoft.com/office/drawing/2014/main" id="{B7C9742E-49C2-8EED-E5E5-000C5C972DB9}"/>
+                </a:ext>
+              </a:extLst>
+            </p:cNvPr>
+            <p:cNvSpPr txBox="1"/>
+            <p:nvPr/>
+          </p:nvSpPr>
+          <p:spPr>
+            <a:xfrm>
+              <a:off x="2990850" y="450850"/>
+              <a:ext cx="1168400" cy="304800"/>
+            </a:xfrm>
+            <a:prstGeom prst="rect">
+              <a:avLst/>
+            </a:prstGeom>
+            <a:solidFill>
+              <a:schemeClr val="lt1"/>
+            </a:solidFill>
+            <a:ln w="15875">
+              <a:solidFill>
+                <a:srgbClr val="FF0000"/>
+              </a:solidFill>
+            </a:ln>
+          </p:spPr>
+          <p:txBody>
+            <a:bodyPr rot="0" spcFirstLastPara="0" vert="horz" wrap="square" lIns="91440" tIns="45720" rIns="91440" bIns="45720" numCol="1" spcCol="0" rtlCol="0" fromWordArt="0" anchor="t" anchorCtr="0" forceAA="0" compatLnSpc="1">
+              <a:prstTxWarp prst="textNoShape">
+                <a:avLst/>
+              </a:prstTxWarp>
+              <a:noAutofit/>
+            </a:bodyPr>
+            <a:lstStyle/>
+            <a:p>
+              <a:pPr algn="ctr">
+                <a:lnSpc>
+                  <a:spcPct val="107000"/>
+                </a:lnSpc>
+                <a:spcAft>
+                  <a:spcPts val="800"/>
+                </a:spcAft>
+              </a:pPr>
+              <a:r>
+                <a:rPr lang="en-ID" sz="1200" kern="100">
+                  <a:effectLst/>
+                  <a:latin typeface="Times New Roman" panose="02020603050405020304" pitchFamily="18" charset="0"/>
+                  <a:ea typeface="Calibri" panose="020F0502020204030204" pitchFamily="34" charset="0"/>
+                  <a:cs typeface="Times New Roman" panose="02020603050405020304" pitchFamily="18" charset="0"/>
+                </a:rPr>
+                <a:t>Menu Navigasi</a:t>
+              </a:r>
+            </a:p>
+          </p:txBody>
+        </p:sp>
+        <p:cxnSp>
+          <p:nvCxnSpPr>
+            <p:cNvPr id="7" name="Straight Arrow Connector 6">
+              <a:extLst>
+                <a:ext uri="{FF2B5EF4-FFF2-40B4-BE49-F238E27FC236}">
+                  <a16:creationId xmlns:a16="http://schemas.microsoft.com/office/drawing/2014/main" id="{E0FCE623-E3D4-83EF-E71D-94DBE4EE69B9}"/>
+                </a:ext>
+              </a:extLst>
+            </p:cNvPr>
+            <p:cNvCxnSpPr/>
+            <p:nvPr/>
+          </p:nvCxnSpPr>
+          <p:spPr>
+            <a:xfrm>
+              <a:off x="1149350" y="1625600"/>
+              <a:ext cx="317500" cy="0"/>
+            </a:xfrm>
+            <a:prstGeom prst="straightConnector1">
+              <a:avLst/>
+            </a:prstGeom>
+            <a:ln>
+              <a:solidFill>
+                <a:srgbClr val="FF0000"/>
+              </a:solidFill>
+              <a:tailEnd type="triangle"/>
+            </a:ln>
+          </p:spPr>
+          <p:style>
+            <a:lnRef idx="1">
+              <a:schemeClr val="accent1"/>
+            </a:lnRef>
+            <a:fillRef idx="0">
+              <a:schemeClr val="accent1"/>
+            </a:fillRef>
+            <a:effectRef idx="0">
+              <a:schemeClr val="accent1"/>
+            </a:effectRef>
+            <a:fontRef idx="minor">
+              <a:schemeClr val="tx1"/>
+            </a:fontRef>
+          </p:style>
+        </p:cxnSp>
+        <p:sp>
+          <p:nvSpPr>
+            <p:cNvPr id="8" name="Text Box 88">
+              <a:extLst>
+                <a:ext uri="{FF2B5EF4-FFF2-40B4-BE49-F238E27FC236}">
+                  <a16:creationId xmlns:a16="http://schemas.microsoft.com/office/drawing/2014/main" id="{B5D9FBF9-5775-841A-C40C-9D8043DE9277}"/>
+                </a:ext>
+              </a:extLst>
+            </p:cNvPr>
+            <p:cNvSpPr txBox="1"/>
+            <p:nvPr/>
+          </p:nvSpPr>
+          <p:spPr>
+            <a:xfrm>
+              <a:off x="1504950" y="1473200"/>
+              <a:ext cx="1168400" cy="304800"/>
+            </a:xfrm>
+            <a:prstGeom prst="rect">
+              <a:avLst/>
+            </a:prstGeom>
+            <a:solidFill>
+              <a:schemeClr val="lt1"/>
+            </a:solidFill>
+            <a:ln w="15875">
+              <a:solidFill>
+                <a:srgbClr val="FF0000"/>
+              </a:solidFill>
+            </a:ln>
+          </p:spPr>
+          <p:txBody>
+            <a:bodyPr rot="0" spcFirstLastPara="0" vert="horz" wrap="square" lIns="91440" tIns="45720" rIns="91440" bIns="45720" numCol="1" spcCol="0" rtlCol="0" fromWordArt="0" anchor="t" anchorCtr="0" forceAA="0" compatLnSpc="1">
+              <a:prstTxWarp prst="textNoShape">
+                <a:avLst/>
+              </a:prstTxWarp>
+              <a:noAutofit/>
+            </a:bodyPr>
+            <a:lstStyle/>
+            <a:p>
+              <a:pPr algn="ctr">
+                <a:lnSpc>
+                  <a:spcPct val="107000"/>
+                </a:lnSpc>
+                <a:spcAft>
+                  <a:spcPts val="800"/>
+                </a:spcAft>
+              </a:pPr>
+              <a:r>
+                <a:rPr lang="en-ID" sz="1200" kern="100">
+                  <a:effectLst/>
+                  <a:latin typeface="Times New Roman" panose="02020603050405020304" pitchFamily="18" charset="0"/>
+                  <a:ea typeface="Calibri" panose="020F0502020204030204" pitchFamily="34" charset="0"/>
+                  <a:cs typeface="Times New Roman" panose="02020603050405020304" pitchFamily="18" charset="0"/>
+                </a:rPr>
+                <a:t>Tombol</a:t>
+              </a:r>
+            </a:p>
+          </p:txBody>
+        </p:sp>
+      </p:grpSp>
+    </p:spTree>
+    <p:extLst>
+      <p:ext uri="{BB962C8B-B14F-4D97-AF65-F5344CB8AC3E}">
+        <p14:creationId xmlns:p14="http://schemas.microsoft.com/office/powerpoint/2010/main" val="755776602"/>
+      </p:ext>
+    </p:extLst>
+  </p:cSld>
+  <p:clrMapOvr>
+    <a:masterClrMapping/>
+  </p:clrMapOvr>
+</p:sld>
+</file>
+
+<file path=ppt/slides/slide20.xml><?xml version="1.0" encoding="utf-8"?>
 <p:sld xmlns:a="http://schemas.openxmlformats.org/drawingml/2006/main" xmlns:r="http://schemas.openxmlformats.org/officeDocument/2006/relationships" xmlns:p="http://schemas.openxmlformats.org/presentationml/2006/main">
   <p:cSld>
     <p:spTree>
@@ -10031,7 +11839,7 @@
 </p:sld>
 </file>
 
-<file path=ppt/slides/slide19.xml><?xml version="1.0" encoding="utf-8"?>
+<file path=ppt/slides/slide21.xml><?xml version="1.0" encoding="utf-8"?>
 <p:sld xmlns:a="http://schemas.openxmlformats.org/drawingml/2006/main" xmlns:r="http://schemas.openxmlformats.org/officeDocument/2006/relationships" xmlns:p="http://schemas.openxmlformats.org/presentationml/2006/main">
   <p:cSld>
     <p:spTree>
@@ -11627,545 +13435,7 @@
 </p:sld>
 </file>
 
-<file path=ppt/slides/slide2.xml><?xml version="1.0" encoding="utf-8"?>
-<p:sld xmlns:a="http://schemas.openxmlformats.org/drawingml/2006/main" xmlns:r="http://schemas.openxmlformats.org/officeDocument/2006/relationships" xmlns:p="http://schemas.openxmlformats.org/presentationml/2006/main">
-  <p:cSld>
-    <p:spTree>
-      <p:nvGrpSpPr>
-        <p:cNvPr id="1" name=""/>
-        <p:cNvGrpSpPr/>
-        <p:nvPr/>
-      </p:nvGrpSpPr>
-      <p:grpSpPr>
-        <a:xfrm>
-          <a:off x="0" y="0"/>
-          <a:ext cx="0" cy="0"/>
-          <a:chOff x="0" y="0"/>
-          <a:chExt cx="0" cy="0"/>
-        </a:xfrm>
-      </p:grpSpPr>
-      <p:grpSp>
-        <p:nvGrpSpPr>
-          <p:cNvPr id="2" name="Group 1">
-            <a:extLst>
-              <a:ext uri="{FF2B5EF4-FFF2-40B4-BE49-F238E27FC236}">
-                <a16:creationId xmlns:a16="http://schemas.microsoft.com/office/drawing/2014/main" id="{563319B1-7464-A4C9-E347-5D386DACC12F}"/>
-              </a:ext>
-            </a:extLst>
-          </p:cNvPr>
-          <p:cNvGrpSpPr/>
-          <p:nvPr/>
-        </p:nvGrpSpPr>
-        <p:grpSpPr>
-          <a:xfrm>
-            <a:off x="3576002" y="2101215"/>
-            <a:ext cx="5039995" cy="2655570"/>
-            <a:chOff x="0" y="0"/>
-            <a:chExt cx="5039995" cy="2655570"/>
-          </a:xfrm>
-        </p:grpSpPr>
-        <p:grpSp>
-          <p:nvGrpSpPr>
-            <p:cNvPr id="3" name="Group 2">
-              <a:extLst>
-                <a:ext uri="{FF2B5EF4-FFF2-40B4-BE49-F238E27FC236}">
-                  <a16:creationId xmlns:a16="http://schemas.microsoft.com/office/drawing/2014/main" id="{BF64C74F-DB1C-64BF-03E0-4D7C0D908E89}"/>
-                </a:ext>
-              </a:extLst>
-            </p:cNvPr>
-            <p:cNvGrpSpPr/>
-            <p:nvPr/>
-          </p:nvGrpSpPr>
-          <p:grpSpPr>
-            <a:xfrm>
-              <a:off x="0" y="0"/>
-              <a:ext cx="5039995" cy="2655570"/>
-              <a:chOff x="0" y="0"/>
-              <a:chExt cx="5039995" cy="2655570"/>
-            </a:xfrm>
-          </p:grpSpPr>
-          <p:pic>
-            <p:nvPicPr>
-              <p:cNvPr id="9" name="Picture 8">
-                <a:extLst>
-                  <a:ext uri="{FF2B5EF4-FFF2-40B4-BE49-F238E27FC236}">
-                    <a16:creationId xmlns:a16="http://schemas.microsoft.com/office/drawing/2014/main" id="{150AE3B8-8E0C-3F34-3B35-09D4A832EE57}"/>
-                  </a:ext>
-                </a:extLst>
-              </p:cNvPr>
-              <p:cNvPicPr>
-                <a:picLocks noChangeAspect="1"/>
-              </p:cNvPicPr>
-              <p:nvPr/>
-            </p:nvPicPr>
-            <p:blipFill>
-              <a:blip r:embed="rId2" cstate="print">
-                <a:extLst>
-                  <a:ext uri="{28A0092B-C50C-407E-A947-70E740481C1C}">
-                    <a14:useLocalDpi xmlns:a14="http://schemas.microsoft.com/office/drawing/2010/main" val="0"/>
-                  </a:ext>
-                </a:extLst>
-              </a:blip>
-              <a:stretch>
-                <a:fillRect/>
-              </a:stretch>
-            </p:blipFill>
-            <p:spPr>
-              <a:xfrm>
-                <a:off x="0" y="0"/>
-                <a:ext cx="5039995" cy="2655570"/>
-              </a:xfrm>
-              <a:prstGeom prst="rect">
-                <a:avLst/>
-              </a:prstGeom>
-              <a:ln>
-                <a:solidFill>
-                  <a:schemeClr val="tx1"/>
-                </a:solidFill>
-              </a:ln>
-            </p:spPr>
-          </p:pic>
-          <p:grpSp>
-            <p:nvGrpSpPr>
-              <p:cNvPr id="10" name="Group 9">
-                <a:extLst>
-                  <a:ext uri="{FF2B5EF4-FFF2-40B4-BE49-F238E27FC236}">
-                    <a16:creationId xmlns:a16="http://schemas.microsoft.com/office/drawing/2014/main" id="{19BF7B4B-FFC8-228E-22CE-98CFA1D3788B}"/>
-                  </a:ext>
-                </a:extLst>
-              </p:cNvPr>
-              <p:cNvGrpSpPr/>
-              <p:nvPr/>
-            </p:nvGrpSpPr>
-            <p:grpSpPr>
-              <a:xfrm>
-                <a:off x="292100" y="0"/>
-                <a:ext cx="4508500" cy="1765300"/>
-                <a:chOff x="0" y="0"/>
-                <a:chExt cx="4508500" cy="1765300"/>
-              </a:xfrm>
-            </p:grpSpPr>
-            <p:sp>
-              <p:nvSpPr>
-                <p:cNvPr id="11" name="Rectangle 10">
-                  <a:extLst>
-                    <a:ext uri="{FF2B5EF4-FFF2-40B4-BE49-F238E27FC236}">
-                      <a16:creationId xmlns:a16="http://schemas.microsoft.com/office/drawing/2014/main" id="{06585989-39BA-D452-DADF-9BE3B60CFCA8}"/>
-                    </a:ext>
-                  </a:extLst>
-                </p:cNvPr>
-                <p:cNvSpPr/>
-                <p:nvPr/>
-              </p:nvSpPr>
-              <p:spPr>
-                <a:xfrm>
-                  <a:off x="1536700" y="0"/>
-                  <a:ext cx="1441450" cy="260350"/>
-                </a:xfrm>
-                <a:prstGeom prst="rect">
-                  <a:avLst/>
-                </a:prstGeom>
-                <a:noFill/>
-                <a:ln w="34925">
-                  <a:solidFill>
-                    <a:srgbClr val="FF0000"/>
-                  </a:solidFill>
-                </a:ln>
-              </p:spPr>
-              <p:style>
-                <a:lnRef idx="2">
-                  <a:schemeClr val="accent2"/>
-                </a:lnRef>
-                <a:fillRef idx="1">
-                  <a:schemeClr val="lt1"/>
-                </a:fillRef>
-                <a:effectRef idx="0">
-                  <a:schemeClr val="accent2"/>
-                </a:effectRef>
-                <a:fontRef idx="minor">
-                  <a:schemeClr val="dk1"/>
-                </a:fontRef>
-              </p:style>
-              <p:txBody>
-                <a:bodyPr rot="0" spcFirstLastPara="0" vert="horz" wrap="square" lIns="91440" tIns="45720" rIns="91440" bIns="45720" numCol="1" spcCol="0" rtlCol="0" fromWordArt="0" anchor="ctr" anchorCtr="0" forceAA="0" compatLnSpc="1">
-                  <a:prstTxWarp prst="textNoShape">
-                    <a:avLst/>
-                  </a:prstTxWarp>
-                  <a:noAutofit/>
-                </a:bodyPr>
-                <a:lstStyle/>
-                <a:p>
-                  <a:endParaRPr lang="en-ID"/>
-                </a:p>
-              </p:txBody>
-            </p:sp>
-            <p:sp>
-              <p:nvSpPr>
-                <p:cNvPr id="12" name="Rectangle 11">
-                  <a:extLst>
-                    <a:ext uri="{FF2B5EF4-FFF2-40B4-BE49-F238E27FC236}">
-                      <a16:creationId xmlns:a16="http://schemas.microsoft.com/office/drawing/2014/main" id="{2BD15C08-4CFA-BDFE-6057-541B1CFBDB97}"/>
-                    </a:ext>
-                  </a:extLst>
-                </p:cNvPr>
-                <p:cNvSpPr/>
-                <p:nvPr/>
-              </p:nvSpPr>
-              <p:spPr>
-                <a:xfrm>
-                  <a:off x="3879850" y="0"/>
-                  <a:ext cx="628650" cy="260350"/>
-                </a:xfrm>
-                <a:prstGeom prst="rect">
-                  <a:avLst/>
-                </a:prstGeom>
-                <a:noFill/>
-                <a:ln w="34925">
-                  <a:solidFill>
-                    <a:srgbClr val="FF0000"/>
-                  </a:solidFill>
-                </a:ln>
-              </p:spPr>
-              <p:style>
-                <a:lnRef idx="2">
-                  <a:schemeClr val="accent2"/>
-                </a:lnRef>
-                <a:fillRef idx="1">
-                  <a:schemeClr val="lt1"/>
-                </a:fillRef>
-                <a:effectRef idx="0">
-                  <a:schemeClr val="accent2"/>
-                </a:effectRef>
-                <a:fontRef idx="minor">
-                  <a:schemeClr val="dk1"/>
-                </a:fontRef>
-              </p:style>
-              <p:txBody>
-                <a:bodyPr rot="0" spcFirstLastPara="0" vert="horz" wrap="square" lIns="91440" tIns="45720" rIns="91440" bIns="45720" numCol="1" spcCol="0" rtlCol="0" fromWordArt="0" anchor="ctr" anchorCtr="0" forceAA="0" compatLnSpc="1">
-                  <a:prstTxWarp prst="textNoShape">
-                    <a:avLst/>
-                  </a:prstTxWarp>
-                  <a:noAutofit/>
-                </a:bodyPr>
-                <a:lstStyle/>
-                <a:p>
-                  <a:endParaRPr lang="en-ID"/>
-                </a:p>
-              </p:txBody>
-            </p:sp>
-            <p:sp>
-              <p:nvSpPr>
-                <p:cNvPr id="13" name="Rectangle 12">
-                  <a:extLst>
-                    <a:ext uri="{FF2B5EF4-FFF2-40B4-BE49-F238E27FC236}">
-                      <a16:creationId xmlns:a16="http://schemas.microsoft.com/office/drawing/2014/main" id="{9A1325D0-6C5A-2DA8-350A-2492E74441FE}"/>
-                    </a:ext>
-                  </a:extLst>
-                </p:cNvPr>
-                <p:cNvSpPr/>
-                <p:nvPr/>
-              </p:nvSpPr>
-              <p:spPr>
-                <a:xfrm>
-                  <a:off x="0" y="1504950"/>
-                  <a:ext cx="857250" cy="260350"/>
-                </a:xfrm>
-                <a:prstGeom prst="rect">
-                  <a:avLst/>
-                </a:prstGeom>
-                <a:noFill/>
-                <a:ln w="34925">
-                  <a:solidFill>
-                    <a:srgbClr val="FF0000"/>
-                  </a:solidFill>
-                </a:ln>
-              </p:spPr>
-              <p:style>
-                <a:lnRef idx="2">
-                  <a:schemeClr val="accent2"/>
-                </a:lnRef>
-                <a:fillRef idx="1">
-                  <a:schemeClr val="lt1"/>
-                </a:fillRef>
-                <a:effectRef idx="0">
-                  <a:schemeClr val="accent2"/>
-                </a:effectRef>
-                <a:fontRef idx="minor">
-                  <a:schemeClr val="dk1"/>
-                </a:fontRef>
-              </p:style>
-              <p:txBody>
-                <a:bodyPr rot="0" spcFirstLastPara="0" vert="horz" wrap="square" lIns="91440" tIns="45720" rIns="91440" bIns="45720" numCol="1" spcCol="0" rtlCol="0" fromWordArt="0" anchor="ctr" anchorCtr="0" forceAA="0" compatLnSpc="1">
-                  <a:prstTxWarp prst="textNoShape">
-                    <a:avLst/>
-                  </a:prstTxWarp>
-                  <a:noAutofit/>
-                </a:bodyPr>
-                <a:lstStyle/>
-                <a:p>
-                  <a:endParaRPr lang="en-ID"/>
-                </a:p>
-              </p:txBody>
-            </p:sp>
-          </p:grpSp>
-        </p:grpSp>
-        <p:cxnSp>
-          <p:nvCxnSpPr>
-            <p:cNvPr id="4" name="Straight Arrow Connector 3">
-              <a:extLst>
-                <a:ext uri="{FF2B5EF4-FFF2-40B4-BE49-F238E27FC236}">
-                  <a16:creationId xmlns:a16="http://schemas.microsoft.com/office/drawing/2014/main" id="{0E58F785-FD4C-CE0A-4915-0361FB8039E1}"/>
-                </a:ext>
-              </a:extLst>
-            </p:cNvPr>
-            <p:cNvCxnSpPr/>
-            <p:nvPr/>
-          </p:nvCxnSpPr>
-          <p:spPr>
-            <a:xfrm>
-              <a:off x="2419350" y="260350"/>
-              <a:ext cx="514350" cy="292100"/>
-            </a:xfrm>
-            <a:prstGeom prst="straightConnector1">
-              <a:avLst/>
-            </a:prstGeom>
-            <a:ln>
-              <a:solidFill>
-                <a:srgbClr val="FF0000"/>
-              </a:solidFill>
-              <a:tailEnd type="triangle"/>
-            </a:ln>
-          </p:spPr>
-          <p:style>
-            <a:lnRef idx="1">
-              <a:schemeClr val="accent1"/>
-            </a:lnRef>
-            <a:fillRef idx="0">
-              <a:schemeClr val="accent1"/>
-            </a:fillRef>
-            <a:effectRef idx="0">
-              <a:schemeClr val="accent1"/>
-            </a:effectRef>
-            <a:fontRef idx="minor">
-              <a:schemeClr val="tx1"/>
-            </a:fontRef>
-          </p:style>
-        </p:cxnSp>
-        <p:cxnSp>
-          <p:nvCxnSpPr>
-            <p:cNvPr id="5" name="Straight Arrow Connector 4">
-              <a:extLst>
-                <a:ext uri="{FF2B5EF4-FFF2-40B4-BE49-F238E27FC236}">
-                  <a16:creationId xmlns:a16="http://schemas.microsoft.com/office/drawing/2014/main" id="{BFEBFCFF-9679-8B15-5E44-2A48B4AF8887}"/>
-                </a:ext>
-              </a:extLst>
-            </p:cNvPr>
-            <p:cNvCxnSpPr/>
-            <p:nvPr/>
-          </p:nvCxnSpPr>
-          <p:spPr>
-            <a:xfrm flipH="1">
-              <a:off x="4216400" y="260350"/>
-              <a:ext cx="298450" cy="247650"/>
-            </a:xfrm>
-            <a:prstGeom prst="straightConnector1">
-              <a:avLst/>
-            </a:prstGeom>
-            <a:ln>
-              <a:solidFill>
-                <a:srgbClr val="FF0000"/>
-              </a:solidFill>
-              <a:tailEnd type="triangle"/>
-            </a:ln>
-          </p:spPr>
-          <p:style>
-            <a:lnRef idx="1">
-              <a:schemeClr val="accent1"/>
-            </a:lnRef>
-            <a:fillRef idx="0">
-              <a:schemeClr val="accent1"/>
-            </a:fillRef>
-            <a:effectRef idx="0">
-              <a:schemeClr val="accent1"/>
-            </a:effectRef>
-            <a:fontRef idx="minor">
-              <a:schemeClr val="tx1"/>
-            </a:fontRef>
-          </p:style>
-        </p:cxnSp>
-        <p:sp>
-          <p:nvSpPr>
-            <p:cNvPr id="6" name="Text Box 88">
-              <a:extLst>
-                <a:ext uri="{FF2B5EF4-FFF2-40B4-BE49-F238E27FC236}">
-                  <a16:creationId xmlns:a16="http://schemas.microsoft.com/office/drawing/2014/main" id="{B7C9742E-49C2-8EED-E5E5-000C5C972DB9}"/>
-                </a:ext>
-              </a:extLst>
-            </p:cNvPr>
-            <p:cNvSpPr txBox="1"/>
-            <p:nvPr/>
-          </p:nvSpPr>
-          <p:spPr>
-            <a:xfrm>
-              <a:off x="2990850" y="450850"/>
-              <a:ext cx="1168400" cy="304800"/>
-            </a:xfrm>
-            <a:prstGeom prst="rect">
-              <a:avLst/>
-            </a:prstGeom>
-            <a:solidFill>
-              <a:schemeClr val="lt1"/>
-            </a:solidFill>
-            <a:ln w="15875">
-              <a:solidFill>
-                <a:srgbClr val="FF0000"/>
-              </a:solidFill>
-            </a:ln>
-          </p:spPr>
-          <p:txBody>
-            <a:bodyPr rot="0" spcFirstLastPara="0" vert="horz" wrap="square" lIns="91440" tIns="45720" rIns="91440" bIns="45720" numCol="1" spcCol="0" rtlCol="0" fromWordArt="0" anchor="t" anchorCtr="0" forceAA="0" compatLnSpc="1">
-              <a:prstTxWarp prst="textNoShape">
-                <a:avLst/>
-              </a:prstTxWarp>
-              <a:noAutofit/>
-            </a:bodyPr>
-            <a:lstStyle/>
-            <a:p>
-              <a:pPr algn="ctr">
-                <a:lnSpc>
-                  <a:spcPct val="107000"/>
-                </a:lnSpc>
-                <a:spcAft>
-                  <a:spcPts val="800"/>
-                </a:spcAft>
-              </a:pPr>
-              <a:r>
-                <a:rPr lang="en-ID" sz="1200" kern="100">
-                  <a:effectLst/>
-                  <a:latin typeface="Times New Roman" panose="02020603050405020304" pitchFamily="18" charset="0"/>
-                  <a:ea typeface="Calibri" panose="020F0502020204030204" pitchFamily="34" charset="0"/>
-                  <a:cs typeface="Times New Roman" panose="02020603050405020304" pitchFamily="18" charset="0"/>
-                </a:rPr>
-                <a:t>Menu Navigasi</a:t>
-              </a:r>
-            </a:p>
-          </p:txBody>
-        </p:sp>
-        <p:cxnSp>
-          <p:nvCxnSpPr>
-            <p:cNvPr id="7" name="Straight Arrow Connector 6">
-              <a:extLst>
-                <a:ext uri="{FF2B5EF4-FFF2-40B4-BE49-F238E27FC236}">
-                  <a16:creationId xmlns:a16="http://schemas.microsoft.com/office/drawing/2014/main" id="{E0FCE623-E3D4-83EF-E71D-94DBE4EE69B9}"/>
-                </a:ext>
-              </a:extLst>
-            </p:cNvPr>
-            <p:cNvCxnSpPr/>
-            <p:nvPr/>
-          </p:nvCxnSpPr>
-          <p:spPr>
-            <a:xfrm>
-              <a:off x="1149350" y="1625600"/>
-              <a:ext cx="317500" cy="0"/>
-            </a:xfrm>
-            <a:prstGeom prst="straightConnector1">
-              <a:avLst/>
-            </a:prstGeom>
-            <a:ln>
-              <a:solidFill>
-                <a:srgbClr val="FF0000"/>
-              </a:solidFill>
-              <a:tailEnd type="triangle"/>
-            </a:ln>
-          </p:spPr>
-          <p:style>
-            <a:lnRef idx="1">
-              <a:schemeClr val="accent1"/>
-            </a:lnRef>
-            <a:fillRef idx="0">
-              <a:schemeClr val="accent1"/>
-            </a:fillRef>
-            <a:effectRef idx="0">
-              <a:schemeClr val="accent1"/>
-            </a:effectRef>
-            <a:fontRef idx="minor">
-              <a:schemeClr val="tx1"/>
-            </a:fontRef>
-          </p:style>
-        </p:cxnSp>
-        <p:sp>
-          <p:nvSpPr>
-            <p:cNvPr id="8" name="Text Box 88">
-              <a:extLst>
-                <a:ext uri="{FF2B5EF4-FFF2-40B4-BE49-F238E27FC236}">
-                  <a16:creationId xmlns:a16="http://schemas.microsoft.com/office/drawing/2014/main" id="{B5D9FBF9-5775-841A-C40C-9D8043DE9277}"/>
-                </a:ext>
-              </a:extLst>
-            </p:cNvPr>
-            <p:cNvSpPr txBox="1"/>
-            <p:nvPr/>
-          </p:nvSpPr>
-          <p:spPr>
-            <a:xfrm>
-              <a:off x="1504950" y="1473200"/>
-              <a:ext cx="1168400" cy="304800"/>
-            </a:xfrm>
-            <a:prstGeom prst="rect">
-              <a:avLst/>
-            </a:prstGeom>
-            <a:solidFill>
-              <a:schemeClr val="lt1"/>
-            </a:solidFill>
-            <a:ln w="15875">
-              <a:solidFill>
-                <a:srgbClr val="FF0000"/>
-              </a:solidFill>
-            </a:ln>
-          </p:spPr>
-          <p:txBody>
-            <a:bodyPr rot="0" spcFirstLastPara="0" vert="horz" wrap="square" lIns="91440" tIns="45720" rIns="91440" bIns="45720" numCol="1" spcCol="0" rtlCol="0" fromWordArt="0" anchor="t" anchorCtr="0" forceAA="0" compatLnSpc="1">
-              <a:prstTxWarp prst="textNoShape">
-                <a:avLst/>
-              </a:prstTxWarp>
-              <a:noAutofit/>
-            </a:bodyPr>
-            <a:lstStyle/>
-            <a:p>
-              <a:pPr algn="ctr">
-                <a:lnSpc>
-                  <a:spcPct val="107000"/>
-                </a:lnSpc>
-                <a:spcAft>
-                  <a:spcPts val="800"/>
-                </a:spcAft>
-              </a:pPr>
-              <a:r>
-                <a:rPr lang="en-ID" sz="1200" kern="100">
-                  <a:effectLst/>
-                  <a:latin typeface="Times New Roman" panose="02020603050405020304" pitchFamily="18" charset="0"/>
-                  <a:ea typeface="Calibri" panose="020F0502020204030204" pitchFamily="34" charset="0"/>
-                  <a:cs typeface="Times New Roman" panose="02020603050405020304" pitchFamily="18" charset="0"/>
-                </a:rPr>
-                <a:t>Tombol</a:t>
-              </a:r>
-            </a:p>
-          </p:txBody>
-        </p:sp>
-      </p:grpSp>
-    </p:spTree>
-    <p:extLst>
-      <p:ext uri="{BB962C8B-B14F-4D97-AF65-F5344CB8AC3E}">
-        <p14:creationId xmlns:p14="http://schemas.microsoft.com/office/powerpoint/2010/main" val="755776602"/>
-      </p:ext>
-    </p:extLst>
-  </p:cSld>
-  <p:clrMapOvr>
-    <a:masterClrMapping/>
-  </p:clrMapOvr>
-</p:sld>
-</file>
-
-<file path=ppt/slides/slide20.xml><?xml version="1.0" encoding="utf-8"?>
+<file path=ppt/slides/slide22.xml><?xml version="1.0" encoding="utf-8"?>
 <p:sld xmlns:a="http://schemas.openxmlformats.org/drawingml/2006/main" xmlns:r="http://schemas.openxmlformats.org/officeDocument/2006/relationships" xmlns:p="http://schemas.openxmlformats.org/presentationml/2006/main">
   <p:cSld>
     <p:spTree>
@@ -13791,7 +15061,7 @@
 </p:sld>
 </file>
 
-<file path=ppt/slides/slide21.xml><?xml version="1.0" encoding="utf-8"?>
+<file path=ppt/slides/slide23.xml><?xml version="1.0" encoding="utf-8"?>
 <p:sld xmlns:a="http://schemas.openxmlformats.org/drawingml/2006/main" xmlns:r="http://schemas.openxmlformats.org/officeDocument/2006/relationships" xmlns:p="http://schemas.openxmlformats.org/presentationml/2006/main">
   <p:cSld>
     <p:spTree>
@@ -15498,7 +16768,7 @@
 </p:sld>
 </file>
 
-<file path=ppt/slides/slide22.xml><?xml version="1.0" encoding="utf-8"?>
+<file path=ppt/slides/slide24.xml><?xml version="1.0" encoding="utf-8"?>
 <p:sld xmlns:a="http://schemas.openxmlformats.org/drawingml/2006/main" xmlns:r="http://schemas.openxmlformats.org/officeDocument/2006/relationships" xmlns:p="http://schemas.openxmlformats.org/presentationml/2006/main">
   <p:cSld>
     <p:spTree>
@@ -17255,7 +18525,7 @@
 </p:sld>
 </file>
 
-<file path=ppt/slides/slide23.xml><?xml version="1.0" encoding="utf-8"?>
+<file path=ppt/slides/slide25.xml><?xml version="1.0" encoding="utf-8"?>
 <p:sld xmlns:a="http://schemas.openxmlformats.org/drawingml/2006/main" xmlns:r="http://schemas.openxmlformats.org/officeDocument/2006/relationships" xmlns:p="http://schemas.openxmlformats.org/presentationml/2006/main">
   <p:cSld>
     <p:spTree>
@@ -18520,7 +19790,7 @@
 </p:sld>
 </file>
 
-<file path=ppt/slides/slide24.xml><?xml version="1.0" encoding="utf-8"?>
+<file path=ppt/slides/slide26.xml><?xml version="1.0" encoding="utf-8"?>
 <p:sld xmlns:a="http://schemas.openxmlformats.org/drawingml/2006/main" xmlns:r="http://schemas.openxmlformats.org/officeDocument/2006/relationships" xmlns:p="http://schemas.openxmlformats.org/presentationml/2006/main">
   <p:cSld>
     <p:spTree>
@@ -21077,7 +22347,7 @@
 </p:sld>
 </file>
 
-<file path=ppt/slides/slide25.xml><?xml version="1.0" encoding="utf-8"?>
+<file path=ppt/slides/slide27.xml><?xml version="1.0" encoding="utf-8"?>
 <p:sld xmlns:a="http://schemas.openxmlformats.org/drawingml/2006/main" xmlns:r="http://schemas.openxmlformats.org/officeDocument/2006/relationships" xmlns:p="http://schemas.openxmlformats.org/presentationml/2006/main">
   <p:cSld>
     <p:spTree>
@@ -23610,7 +24880,7 @@
 </p:sld>
 </file>
 
-<file path=ppt/slides/slide26.xml><?xml version="1.0" encoding="utf-8"?>
+<file path=ppt/slides/slide28.xml><?xml version="1.0" encoding="utf-8"?>
 <p:sld xmlns:a="http://schemas.openxmlformats.org/drawingml/2006/main" xmlns:r="http://schemas.openxmlformats.org/officeDocument/2006/relationships" xmlns:p="http://schemas.openxmlformats.org/presentationml/2006/main">
   <p:cSld>
     <p:spTree>
@@ -25094,7 +26364,7 @@
 </p:sld>
 </file>
 
-<file path=ppt/slides/slide27.xml><?xml version="1.0" encoding="utf-8"?>
+<file path=ppt/slides/slide29.xml><?xml version="1.0" encoding="utf-8"?>
 <p:sld xmlns:a="http://schemas.openxmlformats.org/drawingml/2006/main" xmlns:r="http://schemas.openxmlformats.org/officeDocument/2006/relationships" xmlns:p="http://schemas.openxmlformats.org/presentationml/2006/main">
   <p:cSld>
     <p:spTree>
@@ -26625,7 +27895,282 @@
 </p:sld>
 </file>
 
-<file path=ppt/slides/slide28.xml><?xml version="1.0" encoding="utf-8"?>
+<file path=ppt/slides/slide3.xml><?xml version="1.0" encoding="utf-8"?>
+<p:sld xmlns:a="http://schemas.openxmlformats.org/drawingml/2006/main" xmlns:r="http://schemas.openxmlformats.org/officeDocument/2006/relationships" xmlns:p="http://schemas.openxmlformats.org/presentationml/2006/main">
+  <p:cSld>
+    <p:spTree>
+      <p:nvGrpSpPr>
+        <p:cNvPr id="1" name=""/>
+        <p:cNvGrpSpPr/>
+        <p:nvPr/>
+      </p:nvGrpSpPr>
+      <p:grpSpPr>
+        <a:xfrm>
+          <a:off x="0" y="0"/>
+          <a:ext cx="0" cy="0"/>
+          <a:chOff x="0" y="0"/>
+          <a:chExt cx="0" cy="0"/>
+        </a:xfrm>
+      </p:grpSpPr>
+      <p:grpSp>
+        <p:nvGrpSpPr>
+          <p:cNvPr id="2" name="Group 1">
+            <a:extLst>
+              <a:ext uri="{FF2B5EF4-FFF2-40B4-BE49-F238E27FC236}">
+                <a16:creationId xmlns:a16="http://schemas.microsoft.com/office/drawing/2014/main" id="{F867EB9F-EC72-C9B9-C658-05753C812A24}"/>
+              </a:ext>
+            </a:extLst>
+          </p:cNvPr>
+          <p:cNvGrpSpPr/>
+          <p:nvPr/>
+        </p:nvGrpSpPr>
+        <p:grpSpPr>
+          <a:xfrm>
+            <a:off x="4829492" y="1620203"/>
+            <a:ext cx="2533015" cy="3617595"/>
+            <a:chOff x="0" y="0"/>
+            <a:chExt cx="2533015" cy="3617595"/>
+          </a:xfrm>
+        </p:grpSpPr>
+        <p:pic>
+          <p:nvPicPr>
+            <p:cNvPr id="3" name="Picture 2">
+              <a:extLst>
+                <a:ext uri="{FF2B5EF4-FFF2-40B4-BE49-F238E27FC236}">
+                  <a16:creationId xmlns:a16="http://schemas.microsoft.com/office/drawing/2014/main" id="{745ED1A0-5A42-F535-5089-47818CA41409}"/>
+                </a:ext>
+              </a:extLst>
+            </p:cNvPr>
+            <p:cNvPicPr>
+              <a:picLocks noChangeAspect="1"/>
+            </p:cNvPicPr>
+            <p:nvPr/>
+          </p:nvPicPr>
+          <p:blipFill>
+            <a:blip r:embed="rId2" cstate="print">
+              <a:extLst>
+                <a:ext uri="{28A0092B-C50C-407E-A947-70E740481C1C}">
+                  <a14:useLocalDpi xmlns:a14="http://schemas.microsoft.com/office/drawing/2010/main" val="0"/>
+                </a:ext>
+              </a:extLst>
+            </a:blip>
+            <a:stretch>
+              <a:fillRect/>
+            </a:stretch>
+          </p:blipFill>
+          <p:spPr>
+            <a:xfrm>
+              <a:off x="0" y="0"/>
+              <a:ext cx="2533015" cy="3617595"/>
+            </a:xfrm>
+            <a:prstGeom prst="rect">
+              <a:avLst/>
+            </a:prstGeom>
+            <a:ln>
+              <a:solidFill>
+                <a:schemeClr val="tx1"/>
+              </a:solidFill>
+            </a:ln>
+          </p:spPr>
+        </p:pic>
+        <p:grpSp>
+          <p:nvGrpSpPr>
+            <p:cNvPr id="4" name="Group 3">
+              <a:extLst>
+                <a:ext uri="{FF2B5EF4-FFF2-40B4-BE49-F238E27FC236}">
+                  <a16:creationId xmlns:a16="http://schemas.microsoft.com/office/drawing/2014/main" id="{9FE7C91F-CDB6-DDF2-FB4E-63E4E37FB1CC}"/>
+                </a:ext>
+              </a:extLst>
+            </p:cNvPr>
+            <p:cNvGrpSpPr/>
+            <p:nvPr/>
+          </p:nvGrpSpPr>
+          <p:grpSpPr>
+            <a:xfrm>
+              <a:off x="863600" y="387350"/>
+              <a:ext cx="1511300" cy="1162050"/>
+              <a:chOff x="0" y="0"/>
+              <a:chExt cx="1511300" cy="1162050"/>
+            </a:xfrm>
+          </p:grpSpPr>
+          <p:sp>
+            <p:nvSpPr>
+              <p:cNvPr id="5" name="Rectangle 4">
+                <a:extLst>
+                  <a:ext uri="{FF2B5EF4-FFF2-40B4-BE49-F238E27FC236}">
+                    <a16:creationId xmlns:a16="http://schemas.microsoft.com/office/drawing/2014/main" id="{67A29557-FF80-59B9-BC17-FED8CEA544F3}"/>
+                  </a:ext>
+                </a:extLst>
+              </p:cNvPr>
+              <p:cNvSpPr/>
+              <p:nvPr/>
+            </p:nvSpPr>
+            <p:spPr>
+              <a:xfrm>
+                <a:off x="0" y="0"/>
+                <a:ext cx="628650" cy="1162050"/>
+              </a:xfrm>
+              <a:prstGeom prst="rect">
+                <a:avLst/>
+              </a:prstGeom>
+              <a:noFill/>
+              <a:ln w="31750">
+                <a:solidFill>
+                  <a:srgbClr val="FF0000"/>
+                </a:solidFill>
+              </a:ln>
+            </p:spPr>
+            <p:style>
+              <a:lnRef idx="2">
+                <a:schemeClr val="accent1">
+                  <a:shade val="15000"/>
+                </a:schemeClr>
+              </a:lnRef>
+              <a:fillRef idx="1">
+                <a:schemeClr val="accent1"/>
+              </a:fillRef>
+              <a:effectRef idx="0">
+                <a:schemeClr val="accent1"/>
+              </a:effectRef>
+              <a:fontRef idx="minor">
+                <a:schemeClr val="lt1"/>
+              </a:fontRef>
+            </p:style>
+            <p:txBody>
+              <a:bodyPr rot="0" spcFirstLastPara="0" vert="horz" wrap="square" lIns="91440" tIns="45720" rIns="91440" bIns="45720" numCol="1" spcCol="0" rtlCol="0" fromWordArt="0" anchor="ctr" anchorCtr="0" forceAA="0" compatLnSpc="1">
+                <a:prstTxWarp prst="textNoShape">
+                  <a:avLst/>
+                </a:prstTxWarp>
+                <a:noAutofit/>
+              </a:bodyPr>
+              <a:lstStyle/>
+              <a:p>
+                <a:endParaRPr lang="en-ID"/>
+              </a:p>
+            </p:txBody>
+          </p:sp>
+          <p:cxnSp>
+            <p:nvCxnSpPr>
+              <p:cNvPr id="6" name="Straight Arrow Connector 5">
+                <a:extLst>
+                  <a:ext uri="{FF2B5EF4-FFF2-40B4-BE49-F238E27FC236}">
+                    <a16:creationId xmlns:a16="http://schemas.microsoft.com/office/drawing/2014/main" id="{4E3D144E-C779-168F-6D83-7B0BD436F88E}"/>
+                  </a:ext>
+                </a:extLst>
+              </p:cNvPr>
+              <p:cNvCxnSpPr/>
+              <p:nvPr/>
+            </p:nvCxnSpPr>
+            <p:spPr>
+              <a:xfrm>
+                <a:off x="628650" y="584200"/>
+                <a:ext cx="216000" cy="0"/>
+              </a:xfrm>
+              <a:prstGeom prst="straightConnector1">
+                <a:avLst/>
+              </a:prstGeom>
+              <a:ln w="25400">
+                <a:solidFill>
+                  <a:srgbClr val="FF0000"/>
+                </a:solidFill>
+                <a:tailEnd type="triangle"/>
+              </a:ln>
+            </p:spPr>
+            <p:style>
+              <a:lnRef idx="1">
+                <a:schemeClr val="accent1"/>
+              </a:lnRef>
+              <a:fillRef idx="0">
+                <a:schemeClr val="accent1"/>
+              </a:fillRef>
+              <a:effectRef idx="0">
+                <a:schemeClr val="accent1"/>
+              </a:effectRef>
+              <a:fontRef idx="minor">
+                <a:schemeClr val="tx1"/>
+              </a:fontRef>
+            </p:style>
+          </p:cxnSp>
+          <p:sp>
+            <p:nvSpPr>
+              <p:cNvPr id="7" name="Text Box 14">
+                <a:extLst>
+                  <a:ext uri="{FF2B5EF4-FFF2-40B4-BE49-F238E27FC236}">
+                    <a16:creationId xmlns:a16="http://schemas.microsoft.com/office/drawing/2014/main" id="{D647BA7A-F1B7-9525-C91D-E3BDDFEE212E}"/>
+                  </a:ext>
+                </a:extLst>
+              </p:cNvPr>
+              <p:cNvSpPr txBox="1"/>
+              <p:nvPr/>
+            </p:nvSpPr>
+            <p:spPr>
+              <a:xfrm>
+                <a:off x="831850" y="349250"/>
+                <a:ext cx="679450" cy="425450"/>
+              </a:xfrm>
+              <a:prstGeom prst="rect">
+                <a:avLst/>
+              </a:prstGeom>
+              <a:solidFill>
+                <a:schemeClr val="lt1"/>
+              </a:solidFill>
+              <a:ln w="25400">
+                <a:solidFill>
+                  <a:srgbClr val="FF0000"/>
+                </a:solidFill>
+              </a:ln>
+            </p:spPr>
+            <p:txBody>
+              <a:bodyPr rot="0" spcFirstLastPara="0" vert="horz" wrap="square" lIns="91440" tIns="45720" rIns="91440" bIns="45720" numCol="1" spcCol="0" rtlCol="0" fromWordArt="0" anchor="t" anchorCtr="0" forceAA="0" compatLnSpc="1">
+                <a:prstTxWarp prst="textNoShape">
+                  <a:avLst/>
+                </a:prstTxWarp>
+                <a:noAutofit/>
+              </a:bodyPr>
+              <a:lstStyle/>
+              <a:p>
+                <a:pPr>
+                  <a:lnSpc>
+                    <a:spcPct val="107000"/>
+                  </a:lnSpc>
+                  <a:spcAft>
+                    <a:spcPts val="800"/>
+                  </a:spcAft>
+                </a:pPr>
+                <a:r>
+                  <a:rPr lang="en-ID" sz="1000" kern="100">
+                    <a:effectLst/>
+                    <a:latin typeface="Times New Roman" panose="02020603050405020304" pitchFamily="18" charset="0"/>
+                    <a:ea typeface="Calibri" panose="020F0502020204030204" pitchFamily="34" charset="0"/>
+                    <a:cs typeface="Times New Roman" panose="02020603050405020304" pitchFamily="18" charset="0"/>
+                  </a:rPr>
+                  <a:t>Menu Navigasi</a:t>
+                </a:r>
+                <a:endParaRPr lang="en-ID" sz="1200" kern="100">
+                  <a:effectLst/>
+                  <a:latin typeface="Times New Roman" panose="02020603050405020304" pitchFamily="18" charset="0"/>
+                  <a:ea typeface="Calibri" panose="020F0502020204030204" pitchFamily="34" charset="0"/>
+                  <a:cs typeface="Times New Roman" panose="02020603050405020304" pitchFamily="18" charset="0"/>
+                </a:endParaRPr>
+              </a:p>
+            </p:txBody>
+          </p:sp>
+        </p:grpSp>
+      </p:grpSp>
+    </p:spTree>
+    <p:extLst>
+      <p:ext uri="{BB962C8B-B14F-4D97-AF65-F5344CB8AC3E}">
+        <p14:creationId xmlns:p14="http://schemas.microsoft.com/office/powerpoint/2010/main" val="887730156"/>
+      </p:ext>
+    </p:extLst>
+  </p:cSld>
+  <p:clrMapOvr>
+    <a:masterClrMapping/>
+  </p:clrMapOvr>
+</p:sld>
+</file>
+
+<file path=ppt/slides/slide30.xml><?xml version="1.0" encoding="utf-8"?>
 <p:sld xmlns:a="http://schemas.openxmlformats.org/drawingml/2006/main" xmlns:r="http://schemas.openxmlformats.org/officeDocument/2006/relationships" xmlns:p="http://schemas.openxmlformats.org/presentationml/2006/main">
   <p:cSld>
     <p:spTree>
@@ -27615,7 +29160,7 @@
 </p:sld>
 </file>
 
-<file path=ppt/slides/slide29.xml><?xml version="1.0" encoding="utf-8"?>
+<file path=ppt/slides/slide31.xml><?xml version="1.0" encoding="utf-8"?>
 <p:sld xmlns:a="http://schemas.openxmlformats.org/drawingml/2006/main" xmlns:r="http://schemas.openxmlformats.org/officeDocument/2006/relationships" xmlns:p="http://schemas.openxmlformats.org/presentationml/2006/main">
   <p:cSld>
     <p:spTree>
@@ -28605,282 +30150,7 @@
 </p:sld>
 </file>
 
-<file path=ppt/slides/slide3.xml><?xml version="1.0" encoding="utf-8"?>
-<p:sld xmlns:a="http://schemas.openxmlformats.org/drawingml/2006/main" xmlns:r="http://schemas.openxmlformats.org/officeDocument/2006/relationships" xmlns:p="http://schemas.openxmlformats.org/presentationml/2006/main">
-  <p:cSld>
-    <p:spTree>
-      <p:nvGrpSpPr>
-        <p:cNvPr id="1" name=""/>
-        <p:cNvGrpSpPr/>
-        <p:nvPr/>
-      </p:nvGrpSpPr>
-      <p:grpSpPr>
-        <a:xfrm>
-          <a:off x="0" y="0"/>
-          <a:ext cx="0" cy="0"/>
-          <a:chOff x="0" y="0"/>
-          <a:chExt cx="0" cy="0"/>
-        </a:xfrm>
-      </p:grpSpPr>
-      <p:grpSp>
-        <p:nvGrpSpPr>
-          <p:cNvPr id="2" name="Group 1">
-            <a:extLst>
-              <a:ext uri="{FF2B5EF4-FFF2-40B4-BE49-F238E27FC236}">
-                <a16:creationId xmlns:a16="http://schemas.microsoft.com/office/drawing/2014/main" id="{F867EB9F-EC72-C9B9-C658-05753C812A24}"/>
-              </a:ext>
-            </a:extLst>
-          </p:cNvPr>
-          <p:cNvGrpSpPr/>
-          <p:nvPr/>
-        </p:nvGrpSpPr>
-        <p:grpSpPr>
-          <a:xfrm>
-            <a:off x="4829492" y="1620203"/>
-            <a:ext cx="2533015" cy="3617595"/>
-            <a:chOff x="0" y="0"/>
-            <a:chExt cx="2533015" cy="3617595"/>
-          </a:xfrm>
-        </p:grpSpPr>
-        <p:pic>
-          <p:nvPicPr>
-            <p:cNvPr id="3" name="Picture 2">
-              <a:extLst>
-                <a:ext uri="{FF2B5EF4-FFF2-40B4-BE49-F238E27FC236}">
-                  <a16:creationId xmlns:a16="http://schemas.microsoft.com/office/drawing/2014/main" id="{745ED1A0-5A42-F535-5089-47818CA41409}"/>
-                </a:ext>
-              </a:extLst>
-            </p:cNvPr>
-            <p:cNvPicPr>
-              <a:picLocks noChangeAspect="1"/>
-            </p:cNvPicPr>
-            <p:nvPr/>
-          </p:nvPicPr>
-          <p:blipFill>
-            <a:blip r:embed="rId2" cstate="print">
-              <a:extLst>
-                <a:ext uri="{28A0092B-C50C-407E-A947-70E740481C1C}">
-                  <a14:useLocalDpi xmlns:a14="http://schemas.microsoft.com/office/drawing/2010/main" val="0"/>
-                </a:ext>
-              </a:extLst>
-            </a:blip>
-            <a:stretch>
-              <a:fillRect/>
-            </a:stretch>
-          </p:blipFill>
-          <p:spPr>
-            <a:xfrm>
-              <a:off x="0" y="0"/>
-              <a:ext cx="2533015" cy="3617595"/>
-            </a:xfrm>
-            <a:prstGeom prst="rect">
-              <a:avLst/>
-            </a:prstGeom>
-            <a:ln>
-              <a:solidFill>
-                <a:schemeClr val="tx1"/>
-              </a:solidFill>
-            </a:ln>
-          </p:spPr>
-        </p:pic>
-        <p:grpSp>
-          <p:nvGrpSpPr>
-            <p:cNvPr id="4" name="Group 3">
-              <a:extLst>
-                <a:ext uri="{FF2B5EF4-FFF2-40B4-BE49-F238E27FC236}">
-                  <a16:creationId xmlns:a16="http://schemas.microsoft.com/office/drawing/2014/main" id="{9FE7C91F-CDB6-DDF2-FB4E-63E4E37FB1CC}"/>
-                </a:ext>
-              </a:extLst>
-            </p:cNvPr>
-            <p:cNvGrpSpPr/>
-            <p:nvPr/>
-          </p:nvGrpSpPr>
-          <p:grpSpPr>
-            <a:xfrm>
-              <a:off x="863600" y="387350"/>
-              <a:ext cx="1511300" cy="1162050"/>
-              <a:chOff x="0" y="0"/>
-              <a:chExt cx="1511300" cy="1162050"/>
-            </a:xfrm>
-          </p:grpSpPr>
-          <p:sp>
-            <p:nvSpPr>
-              <p:cNvPr id="5" name="Rectangle 4">
-                <a:extLst>
-                  <a:ext uri="{FF2B5EF4-FFF2-40B4-BE49-F238E27FC236}">
-                    <a16:creationId xmlns:a16="http://schemas.microsoft.com/office/drawing/2014/main" id="{67A29557-FF80-59B9-BC17-FED8CEA544F3}"/>
-                  </a:ext>
-                </a:extLst>
-              </p:cNvPr>
-              <p:cNvSpPr/>
-              <p:nvPr/>
-            </p:nvSpPr>
-            <p:spPr>
-              <a:xfrm>
-                <a:off x="0" y="0"/>
-                <a:ext cx="628650" cy="1162050"/>
-              </a:xfrm>
-              <a:prstGeom prst="rect">
-                <a:avLst/>
-              </a:prstGeom>
-              <a:noFill/>
-              <a:ln w="31750">
-                <a:solidFill>
-                  <a:srgbClr val="FF0000"/>
-                </a:solidFill>
-              </a:ln>
-            </p:spPr>
-            <p:style>
-              <a:lnRef idx="2">
-                <a:schemeClr val="accent1">
-                  <a:shade val="15000"/>
-                </a:schemeClr>
-              </a:lnRef>
-              <a:fillRef idx="1">
-                <a:schemeClr val="accent1"/>
-              </a:fillRef>
-              <a:effectRef idx="0">
-                <a:schemeClr val="accent1"/>
-              </a:effectRef>
-              <a:fontRef idx="minor">
-                <a:schemeClr val="lt1"/>
-              </a:fontRef>
-            </p:style>
-            <p:txBody>
-              <a:bodyPr rot="0" spcFirstLastPara="0" vert="horz" wrap="square" lIns="91440" tIns="45720" rIns="91440" bIns="45720" numCol="1" spcCol="0" rtlCol="0" fromWordArt="0" anchor="ctr" anchorCtr="0" forceAA="0" compatLnSpc="1">
-                <a:prstTxWarp prst="textNoShape">
-                  <a:avLst/>
-                </a:prstTxWarp>
-                <a:noAutofit/>
-              </a:bodyPr>
-              <a:lstStyle/>
-              <a:p>
-                <a:endParaRPr lang="en-ID"/>
-              </a:p>
-            </p:txBody>
-          </p:sp>
-          <p:cxnSp>
-            <p:nvCxnSpPr>
-              <p:cNvPr id="6" name="Straight Arrow Connector 5">
-                <a:extLst>
-                  <a:ext uri="{FF2B5EF4-FFF2-40B4-BE49-F238E27FC236}">
-                    <a16:creationId xmlns:a16="http://schemas.microsoft.com/office/drawing/2014/main" id="{4E3D144E-C779-168F-6D83-7B0BD436F88E}"/>
-                  </a:ext>
-                </a:extLst>
-              </p:cNvPr>
-              <p:cNvCxnSpPr/>
-              <p:nvPr/>
-            </p:nvCxnSpPr>
-            <p:spPr>
-              <a:xfrm>
-                <a:off x="628650" y="584200"/>
-                <a:ext cx="216000" cy="0"/>
-              </a:xfrm>
-              <a:prstGeom prst="straightConnector1">
-                <a:avLst/>
-              </a:prstGeom>
-              <a:ln w="25400">
-                <a:solidFill>
-                  <a:srgbClr val="FF0000"/>
-                </a:solidFill>
-                <a:tailEnd type="triangle"/>
-              </a:ln>
-            </p:spPr>
-            <p:style>
-              <a:lnRef idx="1">
-                <a:schemeClr val="accent1"/>
-              </a:lnRef>
-              <a:fillRef idx="0">
-                <a:schemeClr val="accent1"/>
-              </a:fillRef>
-              <a:effectRef idx="0">
-                <a:schemeClr val="accent1"/>
-              </a:effectRef>
-              <a:fontRef idx="minor">
-                <a:schemeClr val="tx1"/>
-              </a:fontRef>
-            </p:style>
-          </p:cxnSp>
-          <p:sp>
-            <p:nvSpPr>
-              <p:cNvPr id="7" name="Text Box 14">
-                <a:extLst>
-                  <a:ext uri="{FF2B5EF4-FFF2-40B4-BE49-F238E27FC236}">
-                    <a16:creationId xmlns:a16="http://schemas.microsoft.com/office/drawing/2014/main" id="{D647BA7A-F1B7-9525-C91D-E3BDDFEE212E}"/>
-                  </a:ext>
-                </a:extLst>
-              </p:cNvPr>
-              <p:cNvSpPr txBox="1"/>
-              <p:nvPr/>
-            </p:nvSpPr>
-            <p:spPr>
-              <a:xfrm>
-                <a:off x="831850" y="349250"/>
-                <a:ext cx="679450" cy="425450"/>
-              </a:xfrm>
-              <a:prstGeom prst="rect">
-                <a:avLst/>
-              </a:prstGeom>
-              <a:solidFill>
-                <a:schemeClr val="lt1"/>
-              </a:solidFill>
-              <a:ln w="25400">
-                <a:solidFill>
-                  <a:srgbClr val="FF0000"/>
-                </a:solidFill>
-              </a:ln>
-            </p:spPr>
-            <p:txBody>
-              <a:bodyPr rot="0" spcFirstLastPara="0" vert="horz" wrap="square" lIns="91440" tIns="45720" rIns="91440" bIns="45720" numCol="1" spcCol="0" rtlCol="0" fromWordArt="0" anchor="t" anchorCtr="0" forceAA="0" compatLnSpc="1">
-                <a:prstTxWarp prst="textNoShape">
-                  <a:avLst/>
-                </a:prstTxWarp>
-                <a:noAutofit/>
-              </a:bodyPr>
-              <a:lstStyle/>
-              <a:p>
-                <a:pPr>
-                  <a:lnSpc>
-                    <a:spcPct val="107000"/>
-                  </a:lnSpc>
-                  <a:spcAft>
-                    <a:spcPts val="800"/>
-                  </a:spcAft>
-                </a:pPr>
-                <a:r>
-                  <a:rPr lang="en-ID" sz="1000" kern="100">
-                    <a:effectLst/>
-                    <a:latin typeface="Times New Roman" panose="02020603050405020304" pitchFamily="18" charset="0"/>
-                    <a:ea typeface="Calibri" panose="020F0502020204030204" pitchFamily="34" charset="0"/>
-                    <a:cs typeface="Times New Roman" panose="02020603050405020304" pitchFamily="18" charset="0"/>
-                  </a:rPr>
-                  <a:t>Menu Navigasi</a:t>
-                </a:r>
-                <a:endParaRPr lang="en-ID" sz="1200" kern="100">
-                  <a:effectLst/>
-                  <a:latin typeface="Times New Roman" panose="02020603050405020304" pitchFamily="18" charset="0"/>
-                  <a:ea typeface="Calibri" panose="020F0502020204030204" pitchFamily="34" charset="0"/>
-                  <a:cs typeface="Times New Roman" panose="02020603050405020304" pitchFamily="18" charset="0"/>
-                </a:endParaRPr>
-              </a:p>
-            </p:txBody>
-          </p:sp>
-        </p:grpSp>
-      </p:grpSp>
-    </p:spTree>
-    <p:extLst>
-      <p:ext uri="{BB962C8B-B14F-4D97-AF65-F5344CB8AC3E}">
-        <p14:creationId xmlns:p14="http://schemas.microsoft.com/office/powerpoint/2010/main" val="887730156"/>
-      </p:ext>
-    </p:extLst>
-  </p:cSld>
-  <p:clrMapOvr>
-    <a:masterClrMapping/>
-  </p:clrMapOvr>
-</p:sld>
-</file>
-
-<file path=ppt/slides/slide30.xml><?xml version="1.0" encoding="utf-8"?>
+<file path=ppt/slides/slide32.xml><?xml version="1.0" encoding="utf-8"?>
 <p:sld xmlns:a="http://schemas.openxmlformats.org/drawingml/2006/main" xmlns:r="http://schemas.openxmlformats.org/officeDocument/2006/relationships" xmlns:p="http://schemas.openxmlformats.org/presentationml/2006/main">
   <p:cSld>
     <p:spTree>
@@ -29747,7 +31017,7 @@
 </p:sld>
 </file>
 
-<file path=ppt/slides/slide31.xml><?xml version="1.0" encoding="utf-8"?>
+<file path=ppt/slides/slide33.xml><?xml version="1.0" encoding="utf-8"?>
 <p:sld xmlns:a="http://schemas.openxmlformats.org/drawingml/2006/main" xmlns:r="http://schemas.openxmlformats.org/officeDocument/2006/relationships" xmlns:p="http://schemas.openxmlformats.org/presentationml/2006/main">
   <p:cSld>
     <p:spTree>
